--- a/линпрог/Новые информационные технологии в принятии решений.pptx
+++ b/линпрог/Новые информационные технологии в принятии решений.pptx
@@ -1,9 +1,12 @@
 
 <file path=ppt/presentation.xml><?xml version="1.0" encoding="utf-8"?>
-<p:presentation xmlns:a="http://schemas.openxmlformats.org/drawingml/2006/main" xmlns:r="http://schemas.openxmlformats.org/officeDocument/2006/relationships" xmlns:p="http://schemas.openxmlformats.org/presentationml/2006/main" autoCompressPictures="0">
+<p:presentation xmlns:a="http://schemas.openxmlformats.org/drawingml/2006/main" xmlns:r="http://schemas.openxmlformats.org/officeDocument/2006/relationships" xmlns:p="http://schemas.openxmlformats.org/presentationml/2006/main" showSpecialPlsOnTitleSld="0" saveSubsetFonts="1" autoCompressPictures="0">
   <p:sldMasterIdLst>
     <p:sldMasterId id="2147483648" r:id="rId1"/>
   </p:sldMasterIdLst>
+  <p:notesMasterIdLst>
+    <p:notesMasterId r:id="rId31"/>
+  </p:notesMasterIdLst>
   <p:sldIdLst>
     <p:sldId id="256" r:id="rId2"/>
     <p:sldId id="257" r:id="rId3"/>
@@ -15,22 +18,25 @@
     <p:sldId id="263" r:id="rId9"/>
     <p:sldId id="264" r:id="rId10"/>
     <p:sldId id="265" r:id="rId11"/>
-    <p:sldId id="266" r:id="rId12"/>
-    <p:sldId id="267" r:id="rId13"/>
-    <p:sldId id="268" r:id="rId14"/>
-    <p:sldId id="269" r:id="rId15"/>
-    <p:sldId id="270" r:id="rId16"/>
-    <p:sldId id="271" r:id="rId17"/>
-    <p:sldId id="272" r:id="rId18"/>
-    <p:sldId id="273" r:id="rId19"/>
-    <p:sldId id="274" r:id="rId20"/>
-    <p:sldId id="275" r:id="rId21"/>
-    <p:sldId id="276" r:id="rId22"/>
-    <p:sldId id="277" r:id="rId23"/>
-    <p:sldId id="278" r:id="rId24"/>
-    <p:sldId id="279" r:id="rId25"/>
-    <p:sldId id="280" r:id="rId26"/>
-    <p:sldId id="281" r:id="rId27"/>
+    <p:sldId id="282" r:id="rId12"/>
+    <p:sldId id="266" r:id="rId13"/>
+    <p:sldId id="267" r:id="rId14"/>
+    <p:sldId id="268" r:id="rId15"/>
+    <p:sldId id="283" r:id="rId16"/>
+    <p:sldId id="284" r:id="rId17"/>
+    <p:sldId id="269" r:id="rId18"/>
+    <p:sldId id="270" r:id="rId19"/>
+    <p:sldId id="271" r:id="rId20"/>
+    <p:sldId id="272" r:id="rId21"/>
+    <p:sldId id="273" r:id="rId22"/>
+    <p:sldId id="274" r:id="rId23"/>
+    <p:sldId id="275" r:id="rId24"/>
+    <p:sldId id="276" r:id="rId25"/>
+    <p:sldId id="277" r:id="rId26"/>
+    <p:sldId id="278" r:id="rId27"/>
+    <p:sldId id="279" r:id="rId28"/>
+    <p:sldId id="280" r:id="rId29"/>
+    <p:sldId id="281" r:id="rId30"/>
   </p:sldIdLst>
   <p:sldSz cx="12192000" cy="6858000"/>
   <p:notesSz cx="6858000" cy="9144000"/>
@@ -129,7 +135,633 @@
       </a:defRPr>
     </a:lvl9pPr>
   </p:defaultTextStyle>
+  <p:extLst>
+    <p:ext uri="{EFAFB233-063F-42B5-8137-9DF3F51BA10A}">
+      <p15:sldGuideLst xmlns:p15="http://schemas.microsoft.com/office/powerpoint/2012/main">
+        <p15:guide id="1" orient="horz" pos="2160" userDrawn="1">
+          <p15:clr>
+            <a:srgbClr val="A4A3A4"/>
+          </p15:clr>
+        </p15:guide>
+        <p15:guide id="2" pos="3840" userDrawn="1">
+          <p15:clr>
+            <a:srgbClr val="A4A3A4"/>
+          </p15:clr>
+        </p15:guide>
+      </p15:sldGuideLst>
+    </p:ext>
+  </p:extLst>
 </p:presentation>
+</file>
+
+<file path=ppt/notesMasters/notesMaster1.xml><?xml version="1.0" encoding="utf-8"?>
+<p:notesMaster xmlns:a="http://schemas.openxmlformats.org/drawingml/2006/main" xmlns:r="http://schemas.openxmlformats.org/officeDocument/2006/relationships" xmlns:p="http://schemas.openxmlformats.org/presentationml/2006/main">
+  <p:cSld>
+    <p:bg>
+      <p:bgRef idx="1001">
+        <a:schemeClr val="bg1"/>
+      </p:bgRef>
+    </p:bg>
+    <p:spTree>
+      <p:nvGrpSpPr>
+        <p:cNvPr id="1" name=""/>
+        <p:cNvGrpSpPr/>
+        <p:nvPr/>
+      </p:nvGrpSpPr>
+      <p:grpSpPr>
+        <a:xfrm>
+          <a:off x="0" y="0"/>
+          <a:ext cx="0" cy="0"/>
+          <a:chOff x="0" y="0"/>
+          <a:chExt cx="0" cy="0"/>
+        </a:xfrm>
+      </p:grpSpPr>
+      <p:sp>
+        <p:nvSpPr>
+          <p:cNvPr id="2" name="Верхний колонтитул 1"/>
+          <p:cNvSpPr>
+            <a:spLocks noGrp="1"/>
+          </p:cNvSpPr>
+          <p:nvPr>
+            <p:ph type="hdr" sz="quarter"/>
+          </p:nvPr>
+        </p:nvSpPr>
+        <p:spPr>
+          <a:xfrm>
+            <a:off x="0" y="0"/>
+            <a:ext cx="2971800" cy="458788"/>
+          </a:xfrm>
+          <a:prstGeom prst="rect">
+            <a:avLst/>
+          </a:prstGeom>
+        </p:spPr>
+        <p:txBody>
+          <a:bodyPr vert="horz" lIns="91440" tIns="45720" rIns="91440" bIns="45720" rtlCol="0"/>
+          <a:lstStyle>
+            <a:lvl1pPr algn="l">
+              <a:defRPr sz="1200"/>
+            </a:lvl1pPr>
+          </a:lstStyle>
+          <a:p>
+            <a:endParaRPr lang="ru-RU"/>
+          </a:p>
+        </p:txBody>
+      </p:sp>
+      <p:sp>
+        <p:nvSpPr>
+          <p:cNvPr id="3" name="Дата 2"/>
+          <p:cNvSpPr>
+            <a:spLocks noGrp="1"/>
+          </p:cNvSpPr>
+          <p:nvPr>
+            <p:ph type="dt" idx="1"/>
+          </p:nvPr>
+        </p:nvSpPr>
+        <p:spPr>
+          <a:xfrm>
+            <a:off x="3884613" y="0"/>
+            <a:ext cx="2971800" cy="458788"/>
+          </a:xfrm>
+          <a:prstGeom prst="rect">
+            <a:avLst/>
+          </a:prstGeom>
+        </p:spPr>
+        <p:txBody>
+          <a:bodyPr vert="horz" lIns="91440" tIns="45720" rIns="91440" bIns="45720" rtlCol="0"/>
+          <a:lstStyle>
+            <a:lvl1pPr algn="r">
+              <a:defRPr sz="1200"/>
+            </a:lvl1pPr>
+          </a:lstStyle>
+          <a:p>
+            <a:fld id="{A799532B-AFCF-B54A-853A-7107F19E946B}" type="datetimeFigureOut">
+              <a:rPr lang="ru-RU" smtClean="0"/>
+              <a:t>02.12.16</a:t>
+            </a:fld>
+            <a:endParaRPr lang="ru-RU"/>
+          </a:p>
+        </p:txBody>
+      </p:sp>
+      <p:sp>
+        <p:nvSpPr>
+          <p:cNvPr id="4" name="Образ слайда 3"/>
+          <p:cNvSpPr>
+            <a:spLocks noGrp="1" noRot="1" noChangeAspect="1"/>
+          </p:cNvSpPr>
+          <p:nvPr>
+            <p:ph type="sldImg" idx="2"/>
+          </p:nvPr>
+        </p:nvSpPr>
+        <p:spPr>
+          <a:xfrm>
+            <a:off x="685800" y="1143000"/>
+            <a:ext cx="5486400" cy="3086100"/>
+          </a:xfrm>
+          <a:prstGeom prst="rect">
+            <a:avLst/>
+          </a:prstGeom>
+          <a:noFill/>
+          <a:ln w="12700">
+            <a:solidFill>
+              <a:prstClr val="black"/>
+            </a:solidFill>
+          </a:ln>
+        </p:spPr>
+        <p:txBody>
+          <a:bodyPr vert="horz" lIns="91440" tIns="45720" rIns="91440" bIns="45720" rtlCol="0" anchor="ctr"/>
+          <a:lstStyle/>
+          <a:p>
+            <a:endParaRPr lang="ru-RU"/>
+          </a:p>
+        </p:txBody>
+      </p:sp>
+      <p:sp>
+        <p:nvSpPr>
+          <p:cNvPr id="5" name="Заметки 4"/>
+          <p:cNvSpPr>
+            <a:spLocks noGrp="1"/>
+          </p:cNvSpPr>
+          <p:nvPr>
+            <p:ph type="body" sz="quarter" idx="3"/>
+          </p:nvPr>
+        </p:nvSpPr>
+        <p:spPr>
+          <a:xfrm>
+            <a:off x="685800" y="4400550"/>
+            <a:ext cx="5486400" cy="3600450"/>
+          </a:xfrm>
+          <a:prstGeom prst="rect">
+            <a:avLst/>
+          </a:prstGeom>
+        </p:spPr>
+        <p:txBody>
+          <a:bodyPr vert="horz" lIns="91440" tIns="45720" rIns="91440" bIns="45720" rtlCol="0"/>
+          <a:lstStyle/>
+          <a:p>
+            <a:pPr lvl="0"/>
+            <a:r>
+              <a:rPr lang="ru-RU" smtClean="0"/>
+              <a:t>Образец текста</a:t>
+            </a:r>
+          </a:p>
+          <a:p>
+            <a:pPr lvl="1"/>
+            <a:r>
+              <a:rPr lang="ru-RU" smtClean="0"/>
+              <a:t>Второй уровень</a:t>
+            </a:r>
+          </a:p>
+          <a:p>
+            <a:pPr lvl="2"/>
+            <a:r>
+              <a:rPr lang="ru-RU" smtClean="0"/>
+              <a:t>Третий уровень</a:t>
+            </a:r>
+          </a:p>
+          <a:p>
+            <a:pPr lvl="3"/>
+            <a:r>
+              <a:rPr lang="ru-RU" smtClean="0"/>
+              <a:t>Четвертый уровень</a:t>
+            </a:r>
+          </a:p>
+          <a:p>
+            <a:pPr lvl="4"/>
+            <a:r>
+              <a:rPr lang="ru-RU" smtClean="0"/>
+              <a:t>Пятый уровень</a:t>
+            </a:r>
+            <a:endParaRPr lang="ru-RU"/>
+          </a:p>
+        </p:txBody>
+      </p:sp>
+      <p:sp>
+        <p:nvSpPr>
+          <p:cNvPr id="6" name="Нижний колонтитул 5"/>
+          <p:cNvSpPr>
+            <a:spLocks noGrp="1"/>
+          </p:cNvSpPr>
+          <p:nvPr>
+            <p:ph type="ftr" sz="quarter" idx="4"/>
+          </p:nvPr>
+        </p:nvSpPr>
+        <p:spPr>
+          <a:xfrm>
+            <a:off x="0" y="8685213"/>
+            <a:ext cx="2971800" cy="458787"/>
+          </a:xfrm>
+          <a:prstGeom prst="rect">
+            <a:avLst/>
+          </a:prstGeom>
+        </p:spPr>
+        <p:txBody>
+          <a:bodyPr vert="horz" lIns="91440" tIns="45720" rIns="91440" bIns="45720" rtlCol="0" anchor="b"/>
+          <a:lstStyle>
+            <a:lvl1pPr algn="l">
+              <a:defRPr sz="1200"/>
+            </a:lvl1pPr>
+          </a:lstStyle>
+          <a:p>
+            <a:endParaRPr lang="ru-RU"/>
+          </a:p>
+        </p:txBody>
+      </p:sp>
+      <p:sp>
+        <p:nvSpPr>
+          <p:cNvPr id="7" name="Номер слайда 6"/>
+          <p:cNvSpPr>
+            <a:spLocks noGrp="1"/>
+          </p:cNvSpPr>
+          <p:nvPr>
+            <p:ph type="sldNum" sz="quarter" idx="5"/>
+          </p:nvPr>
+        </p:nvSpPr>
+        <p:spPr>
+          <a:xfrm>
+            <a:off x="3884613" y="8685213"/>
+            <a:ext cx="2971800" cy="458787"/>
+          </a:xfrm>
+          <a:prstGeom prst="rect">
+            <a:avLst/>
+          </a:prstGeom>
+        </p:spPr>
+        <p:txBody>
+          <a:bodyPr vert="horz" lIns="91440" tIns="45720" rIns="91440" bIns="45720" rtlCol="0" anchor="b"/>
+          <a:lstStyle>
+            <a:lvl1pPr algn="r">
+              <a:defRPr sz="1200"/>
+            </a:lvl1pPr>
+          </a:lstStyle>
+          <a:p>
+            <a:fld id="{EB67F395-6CFB-AA45-BFAA-A0A93794C18D}" type="slidenum">
+              <a:rPr lang="ru-RU" smtClean="0"/>
+              <a:t>‹#›</a:t>
+            </a:fld>
+            <a:endParaRPr lang="ru-RU"/>
+          </a:p>
+        </p:txBody>
+      </p:sp>
+    </p:spTree>
+    <p:extLst>
+      <p:ext uri="{BB962C8B-B14F-4D97-AF65-F5344CB8AC3E}">
+        <p14:creationId xmlns:p14="http://schemas.microsoft.com/office/powerpoint/2010/main" val="965290404"/>
+      </p:ext>
+    </p:extLst>
+  </p:cSld>
+  <p:clrMap bg1="lt1" tx1="dk1" bg2="lt2" tx2="dk2" accent1="accent1" accent2="accent2" accent3="accent3" accent4="accent4" accent5="accent5" accent6="accent6" hlink="hlink" folHlink="folHlink"/>
+  <p:notesStyle>
+    <a:lvl1pPr marL="0" algn="l" defTabSz="914400" rtl="0" eaLnBrk="1" latinLnBrk="0" hangingPunct="1">
+      <a:defRPr sz="1200" kern="1200">
+        <a:solidFill>
+          <a:schemeClr val="tx1"/>
+        </a:solidFill>
+        <a:latin typeface="+mn-lt"/>
+        <a:ea typeface="+mn-ea"/>
+        <a:cs typeface="+mn-cs"/>
+      </a:defRPr>
+    </a:lvl1pPr>
+    <a:lvl2pPr marL="457200" algn="l" defTabSz="914400" rtl="0" eaLnBrk="1" latinLnBrk="0" hangingPunct="1">
+      <a:defRPr sz="1200" kern="1200">
+        <a:solidFill>
+          <a:schemeClr val="tx1"/>
+        </a:solidFill>
+        <a:latin typeface="+mn-lt"/>
+        <a:ea typeface="+mn-ea"/>
+        <a:cs typeface="+mn-cs"/>
+      </a:defRPr>
+    </a:lvl2pPr>
+    <a:lvl3pPr marL="914400" algn="l" defTabSz="914400" rtl="0" eaLnBrk="1" latinLnBrk="0" hangingPunct="1">
+      <a:defRPr sz="1200" kern="1200">
+        <a:solidFill>
+          <a:schemeClr val="tx1"/>
+        </a:solidFill>
+        <a:latin typeface="+mn-lt"/>
+        <a:ea typeface="+mn-ea"/>
+        <a:cs typeface="+mn-cs"/>
+      </a:defRPr>
+    </a:lvl3pPr>
+    <a:lvl4pPr marL="1371600" algn="l" defTabSz="914400" rtl="0" eaLnBrk="1" latinLnBrk="0" hangingPunct="1">
+      <a:defRPr sz="1200" kern="1200">
+        <a:solidFill>
+          <a:schemeClr val="tx1"/>
+        </a:solidFill>
+        <a:latin typeface="+mn-lt"/>
+        <a:ea typeface="+mn-ea"/>
+        <a:cs typeface="+mn-cs"/>
+      </a:defRPr>
+    </a:lvl4pPr>
+    <a:lvl5pPr marL="1828800" algn="l" defTabSz="914400" rtl="0" eaLnBrk="1" latinLnBrk="0" hangingPunct="1">
+      <a:defRPr sz="1200" kern="1200">
+        <a:solidFill>
+          <a:schemeClr val="tx1"/>
+        </a:solidFill>
+        <a:latin typeface="+mn-lt"/>
+        <a:ea typeface="+mn-ea"/>
+        <a:cs typeface="+mn-cs"/>
+      </a:defRPr>
+    </a:lvl5pPr>
+    <a:lvl6pPr marL="2286000" algn="l" defTabSz="914400" rtl="0" eaLnBrk="1" latinLnBrk="0" hangingPunct="1">
+      <a:defRPr sz="1200" kern="1200">
+        <a:solidFill>
+          <a:schemeClr val="tx1"/>
+        </a:solidFill>
+        <a:latin typeface="+mn-lt"/>
+        <a:ea typeface="+mn-ea"/>
+        <a:cs typeface="+mn-cs"/>
+      </a:defRPr>
+    </a:lvl6pPr>
+    <a:lvl7pPr marL="2743200" algn="l" defTabSz="914400" rtl="0" eaLnBrk="1" latinLnBrk="0" hangingPunct="1">
+      <a:defRPr sz="1200" kern="1200">
+        <a:solidFill>
+          <a:schemeClr val="tx1"/>
+        </a:solidFill>
+        <a:latin typeface="+mn-lt"/>
+        <a:ea typeface="+mn-ea"/>
+        <a:cs typeface="+mn-cs"/>
+      </a:defRPr>
+    </a:lvl7pPr>
+    <a:lvl8pPr marL="3200400" algn="l" defTabSz="914400" rtl="0" eaLnBrk="1" latinLnBrk="0" hangingPunct="1">
+      <a:defRPr sz="1200" kern="1200">
+        <a:solidFill>
+          <a:schemeClr val="tx1"/>
+        </a:solidFill>
+        <a:latin typeface="+mn-lt"/>
+        <a:ea typeface="+mn-ea"/>
+        <a:cs typeface="+mn-cs"/>
+      </a:defRPr>
+    </a:lvl8pPr>
+    <a:lvl9pPr marL="3657600" algn="l" defTabSz="914400" rtl="0" eaLnBrk="1" latinLnBrk="0" hangingPunct="1">
+      <a:defRPr sz="1200" kern="1200">
+        <a:solidFill>
+          <a:schemeClr val="tx1"/>
+        </a:solidFill>
+        <a:latin typeface="+mn-lt"/>
+        <a:ea typeface="+mn-ea"/>
+        <a:cs typeface="+mn-cs"/>
+      </a:defRPr>
+    </a:lvl9pPr>
+  </p:notesStyle>
+</p:notesMaster>
+</file>
+
+<file path=ppt/notesSlides/notesSlide1.xml><?xml version="1.0" encoding="utf-8"?>
+<p:notes xmlns:a="http://schemas.openxmlformats.org/drawingml/2006/main" xmlns:r="http://schemas.openxmlformats.org/officeDocument/2006/relationships" xmlns:p="http://schemas.openxmlformats.org/presentationml/2006/main">
+  <p:cSld>
+    <p:spTree>
+      <p:nvGrpSpPr>
+        <p:cNvPr id="1" name=""/>
+        <p:cNvGrpSpPr/>
+        <p:nvPr/>
+      </p:nvGrpSpPr>
+      <p:grpSpPr>
+        <a:xfrm>
+          <a:off x="0" y="0"/>
+          <a:ext cx="0" cy="0"/>
+          <a:chOff x="0" y="0"/>
+          <a:chExt cx="0" cy="0"/>
+        </a:xfrm>
+      </p:grpSpPr>
+      <p:sp>
+        <p:nvSpPr>
+          <p:cNvPr id="2" name="Образ слайда 1"/>
+          <p:cNvSpPr>
+            <a:spLocks noGrp="1" noRot="1" noChangeAspect="1"/>
+          </p:cNvSpPr>
+          <p:nvPr>
+            <p:ph type="sldImg"/>
+          </p:nvPr>
+        </p:nvSpPr>
+        <p:spPr/>
+      </p:sp>
+      <p:sp>
+        <p:nvSpPr>
+          <p:cNvPr id="3" name="Заметки 2"/>
+          <p:cNvSpPr>
+            <a:spLocks noGrp="1"/>
+          </p:cNvSpPr>
+          <p:nvPr>
+            <p:ph type="body" idx="1"/>
+          </p:nvPr>
+        </p:nvSpPr>
+        <p:spPr/>
+        <p:txBody>
+          <a:bodyPr/>
+          <a:lstStyle/>
+          <a:p>
+            <a:r>
+              <a:rPr lang="en-US" dirty="0" smtClean="0"/>
+              <a:t>1</a:t>
+            </a:r>
+            <a:endParaRPr lang="ru-RU" dirty="0"/>
+          </a:p>
+        </p:txBody>
+      </p:sp>
+      <p:sp>
+        <p:nvSpPr>
+          <p:cNvPr id="4" name="Номер слайда 3"/>
+          <p:cNvSpPr>
+            <a:spLocks noGrp="1"/>
+          </p:cNvSpPr>
+          <p:nvPr>
+            <p:ph type="sldNum" sz="quarter" idx="10"/>
+          </p:nvPr>
+        </p:nvSpPr>
+        <p:spPr/>
+        <p:txBody>
+          <a:bodyPr/>
+          <a:lstStyle/>
+          <a:p>
+            <a:fld id="{EB67F395-6CFB-AA45-BFAA-A0A93794C18D}" type="slidenum">
+              <a:rPr lang="ru-RU" smtClean="0"/>
+              <a:t>1</a:t>
+            </a:fld>
+            <a:endParaRPr lang="ru-RU"/>
+          </a:p>
+        </p:txBody>
+      </p:sp>
+    </p:spTree>
+    <p:extLst>
+      <p:ext uri="{BB962C8B-B14F-4D97-AF65-F5344CB8AC3E}">
+        <p14:creationId xmlns:p14="http://schemas.microsoft.com/office/powerpoint/2010/main" val="1544350590"/>
+      </p:ext>
+    </p:extLst>
+  </p:cSld>
+  <p:clrMapOvr>
+    <a:masterClrMapping/>
+  </p:clrMapOvr>
+</p:notes>
+</file>
+
+<file path=ppt/notesSlides/notesSlide2.xml><?xml version="1.0" encoding="utf-8"?>
+<p:notes xmlns:a="http://schemas.openxmlformats.org/drawingml/2006/main" xmlns:r="http://schemas.openxmlformats.org/officeDocument/2006/relationships" xmlns:p="http://schemas.openxmlformats.org/presentationml/2006/main">
+  <p:cSld>
+    <p:spTree>
+      <p:nvGrpSpPr>
+        <p:cNvPr id="1" name=""/>
+        <p:cNvGrpSpPr/>
+        <p:nvPr/>
+      </p:nvGrpSpPr>
+      <p:grpSpPr>
+        <a:xfrm>
+          <a:off x="0" y="0"/>
+          <a:ext cx="0" cy="0"/>
+          <a:chOff x="0" y="0"/>
+          <a:chExt cx="0" cy="0"/>
+        </a:xfrm>
+      </p:grpSpPr>
+      <p:sp>
+        <p:nvSpPr>
+          <p:cNvPr id="2" name="Образ слайда 1"/>
+          <p:cNvSpPr>
+            <a:spLocks noGrp="1" noRot="1" noChangeAspect="1"/>
+          </p:cNvSpPr>
+          <p:nvPr>
+            <p:ph type="sldImg"/>
+          </p:nvPr>
+        </p:nvSpPr>
+        <p:spPr/>
+      </p:sp>
+      <p:sp>
+        <p:nvSpPr>
+          <p:cNvPr id="3" name="Заметки 2"/>
+          <p:cNvSpPr>
+            <a:spLocks noGrp="1"/>
+          </p:cNvSpPr>
+          <p:nvPr>
+            <p:ph type="body" idx="1"/>
+          </p:nvPr>
+        </p:nvSpPr>
+        <p:spPr/>
+        <p:txBody>
+          <a:bodyPr/>
+          <a:lstStyle/>
+          <a:p>
+            <a:r>
+              <a:rPr lang="en-US" dirty="0" smtClean="0"/>
+              <a:t>2</a:t>
+            </a:r>
+            <a:endParaRPr lang="ru-RU" dirty="0"/>
+          </a:p>
+        </p:txBody>
+      </p:sp>
+      <p:sp>
+        <p:nvSpPr>
+          <p:cNvPr id="4" name="Номер слайда 3"/>
+          <p:cNvSpPr>
+            <a:spLocks noGrp="1"/>
+          </p:cNvSpPr>
+          <p:nvPr>
+            <p:ph type="sldNum" sz="quarter" idx="10"/>
+          </p:nvPr>
+        </p:nvSpPr>
+        <p:spPr/>
+        <p:txBody>
+          <a:bodyPr/>
+          <a:lstStyle/>
+          <a:p>
+            <a:fld id="{EB67F395-6CFB-AA45-BFAA-A0A93794C18D}" type="slidenum">
+              <a:rPr lang="ru-RU" smtClean="0"/>
+              <a:t>2</a:t>
+            </a:fld>
+            <a:endParaRPr lang="ru-RU"/>
+          </a:p>
+        </p:txBody>
+      </p:sp>
+    </p:spTree>
+    <p:extLst>
+      <p:ext uri="{BB962C8B-B14F-4D97-AF65-F5344CB8AC3E}">
+        <p14:creationId xmlns:p14="http://schemas.microsoft.com/office/powerpoint/2010/main" val="999890961"/>
+      </p:ext>
+    </p:extLst>
+  </p:cSld>
+  <p:clrMapOvr>
+    <a:masterClrMapping/>
+  </p:clrMapOvr>
+</p:notes>
+</file>
+
+<file path=ppt/notesSlides/notesSlide3.xml><?xml version="1.0" encoding="utf-8"?>
+<p:notes xmlns:a="http://schemas.openxmlformats.org/drawingml/2006/main" xmlns:r="http://schemas.openxmlformats.org/officeDocument/2006/relationships" xmlns:p="http://schemas.openxmlformats.org/presentationml/2006/main">
+  <p:cSld>
+    <p:spTree>
+      <p:nvGrpSpPr>
+        <p:cNvPr id="1" name=""/>
+        <p:cNvGrpSpPr/>
+        <p:nvPr/>
+      </p:nvGrpSpPr>
+      <p:grpSpPr>
+        <a:xfrm>
+          <a:off x="0" y="0"/>
+          <a:ext cx="0" cy="0"/>
+          <a:chOff x="0" y="0"/>
+          <a:chExt cx="0" cy="0"/>
+        </a:xfrm>
+      </p:grpSpPr>
+      <p:sp>
+        <p:nvSpPr>
+          <p:cNvPr id="2" name="Образ слайда 1"/>
+          <p:cNvSpPr>
+            <a:spLocks noGrp="1" noRot="1" noChangeAspect="1"/>
+          </p:cNvSpPr>
+          <p:nvPr>
+            <p:ph type="sldImg"/>
+          </p:nvPr>
+        </p:nvSpPr>
+        <p:spPr/>
+      </p:sp>
+      <p:sp>
+        <p:nvSpPr>
+          <p:cNvPr id="3" name="Заметки 2"/>
+          <p:cNvSpPr>
+            <a:spLocks noGrp="1"/>
+          </p:cNvSpPr>
+          <p:nvPr>
+            <p:ph type="body" idx="1"/>
+          </p:nvPr>
+        </p:nvSpPr>
+        <p:spPr/>
+        <p:txBody>
+          <a:bodyPr/>
+          <a:lstStyle/>
+          <a:p>
+            <a:endParaRPr lang="ru-RU" dirty="0"/>
+          </a:p>
+        </p:txBody>
+      </p:sp>
+      <p:sp>
+        <p:nvSpPr>
+          <p:cNvPr id="4" name="Номер слайда 3"/>
+          <p:cNvSpPr>
+            <a:spLocks noGrp="1"/>
+          </p:cNvSpPr>
+          <p:nvPr>
+            <p:ph type="sldNum" sz="quarter" idx="10"/>
+          </p:nvPr>
+        </p:nvSpPr>
+        <p:spPr/>
+        <p:txBody>
+          <a:bodyPr/>
+          <a:lstStyle/>
+          <a:p>
+            <a:fld id="{EB67F395-6CFB-AA45-BFAA-A0A93794C18D}" type="slidenum">
+              <a:rPr lang="ru-RU" smtClean="0"/>
+              <a:t>3</a:t>
+            </a:fld>
+            <a:endParaRPr lang="ru-RU"/>
+          </a:p>
+        </p:txBody>
+      </p:sp>
+    </p:spTree>
+    <p:extLst>
+      <p:ext uri="{BB962C8B-B14F-4D97-AF65-F5344CB8AC3E}">
+        <p14:creationId xmlns:p14="http://schemas.microsoft.com/office/powerpoint/2010/main" val="1107843752"/>
+      </p:ext>
+    </p:extLst>
+  </p:cSld>
+  <p:clrMapOvr>
+    <a:masterClrMapping/>
+  </p:clrMapOvr>
+</p:notes>
 </file>
 
 <file path=ppt/slideLayouts/slideLayout1.xml><?xml version="1.0" encoding="utf-8"?>
@@ -356,9 +988,9 @@
           <a:bodyPr/>
           <a:lstStyle/>
           <a:p>
-            <a:fld id="{4BDF68E2-58F2-4D09-BE8B-E3BD06533059}" type="datetimeFigureOut">
-              <a:rPr lang="en-US" dirty="0"/>
-              <a:t>12/1/2016</a:t>
+            <a:fld id="{F29F7F4C-9330-F046-BAB5-449F34385F2A}" type="datetime1">
+              <a:rPr lang="ru-RU" smtClean="0"/>
+              <a:t>02.12.16</a:t>
             </a:fld>
             <a:endParaRPr lang="en-US" dirty="0"/>
           </a:p>
@@ -449,6 +1081,9 @@
   <p:clrMapOvr>
     <a:masterClrMapping/>
   </p:clrMapOvr>
+  <p:transition spd="slow">
+    <p:push dir="u"/>
+  </p:transition>
 </p:sldLayout>
 </file>
 
@@ -559,9 +1194,9 @@
           <a:bodyPr/>
           <a:lstStyle/>
           <a:p>
-            <a:fld id="{2E2D6473-DF6D-4702-B328-E0DD40540A4E}" type="datetimeFigureOut">
-              <a:rPr lang="en-US" dirty="0"/>
-              <a:t>12/1/2016</a:t>
+            <a:fld id="{B312AD8A-0700-634F-96F9-76A01F23D125}" type="datetime1">
+              <a:rPr lang="ru-RU" smtClean="0"/>
+              <a:t>02.12.16</a:t>
             </a:fld>
             <a:endParaRPr lang="en-US" dirty="0"/>
           </a:p>
@@ -614,6 +1249,9 @@
   <p:clrMapOvr>
     <a:masterClrMapping/>
   </p:clrMapOvr>
+  <p:transition spd="slow">
+    <p:push dir="u"/>
+  </p:transition>
 </p:sldLayout>
 </file>
 
@@ -810,9 +1448,9 @@
           <a:bodyPr/>
           <a:lstStyle/>
           <a:p>
-            <a:fld id="{E26F7E3A-B166-407D-9866-32884E7D5B37}" type="datetimeFigureOut">
-              <a:rPr lang="en-US" dirty="0"/>
-              <a:t>12/1/2016</a:t>
+            <a:fld id="{59CF1219-9B6F-DF4D-B3FA-57FC30FFF65A}" type="datetime1">
+              <a:rPr lang="ru-RU" smtClean="0"/>
+              <a:t>02.12.16</a:t>
             </a:fld>
             <a:endParaRPr lang="en-US" dirty="0"/>
           </a:p>
@@ -865,6 +1503,9 @@
   <p:clrMapOvr>
     <a:masterClrMapping/>
   </p:clrMapOvr>
+  <p:transition spd="slow">
+    <p:push dir="u"/>
+  </p:transition>
 </p:sldLayout>
 </file>
 
@@ -979,9 +1620,9 @@
           <a:bodyPr/>
           <a:lstStyle/>
           <a:p>
-            <a:fld id="{528FC5F6-F338-4AE4-BB23-26385BCFC423}" type="datetimeFigureOut">
-              <a:rPr lang="en-US" dirty="0"/>
-              <a:t>12/1/2016</a:t>
+            <a:fld id="{FE41E6DF-E3F7-C644-9754-B17AC2724030}" type="datetime1">
+              <a:rPr lang="ru-RU" smtClean="0"/>
+              <a:t>02.12.16</a:t>
             </a:fld>
             <a:endParaRPr lang="en-US" dirty="0"/>
           </a:p>
@@ -1034,6 +1675,9 @@
   <p:clrMapOvr>
     <a:masterClrMapping/>
   </p:clrMapOvr>
+  <p:transition spd="slow">
+    <p:push dir="u"/>
+  </p:transition>
 </p:sldLayout>
 </file>
 
@@ -1317,9 +1961,9 @@
           <a:bodyPr/>
           <a:lstStyle/>
           <a:p>
-            <a:fld id="{20EBB0C4-6273-4C6E-B9BD-2EDC30F1CD52}" type="datetimeFigureOut">
-              <a:rPr lang="en-US" dirty="0"/>
-              <a:t>12/1/2016</a:t>
+            <a:fld id="{B417A74A-31A5-F447-AFF6-491D7E39436D}" type="datetime1">
+              <a:rPr lang="ru-RU" smtClean="0"/>
+              <a:t>02.12.16</a:t>
             </a:fld>
             <a:endParaRPr lang="en-US" dirty="0"/>
           </a:p>
@@ -1410,6 +2054,9 @@
   <p:clrMapOvr>
     <a:masterClrMapping/>
   </p:clrMapOvr>
+  <p:transition spd="slow">
+    <p:push dir="u"/>
+  </p:transition>
 </p:sldLayout>
 </file>
 
@@ -1587,9 +2234,9 @@
           <a:bodyPr/>
           <a:lstStyle/>
           <a:p>
-            <a:fld id="{19AB4D41-86C1-4908-B66A-0B50CEB3BF29}" type="datetimeFigureOut">
-              <a:rPr lang="en-US" dirty="0"/>
-              <a:t>12/1/2016</a:t>
+            <a:fld id="{01DA324F-4B3E-2347-BEE2-3D6B7CEEB3E9}" type="datetime1">
+              <a:rPr lang="ru-RU" smtClean="0"/>
+              <a:t>02.12.16</a:t>
             </a:fld>
             <a:endParaRPr lang="en-US" dirty="0"/>
           </a:p>
@@ -1642,6 +2289,9 @@
   <p:clrMapOvr>
     <a:masterClrMapping/>
   </p:clrMapOvr>
+  <p:transition spd="slow">
+    <p:push dir="u"/>
+  </p:transition>
 </p:sldLayout>
 </file>
 
@@ -1961,9 +2611,9 @@
           <a:bodyPr/>
           <a:lstStyle/>
           <a:p>
-            <a:fld id="{E6426E2C-56C1-4E0D-A793-0088A7FDD37E}" type="datetimeFigureOut">
-              <a:rPr lang="en-US" dirty="0"/>
-              <a:t>12/1/2016</a:t>
+            <a:fld id="{5EA9D090-C5EA-EA4E-8DC9-C12A8617A197}" type="datetime1">
+              <a:rPr lang="ru-RU" smtClean="0"/>
+              <a:t>02.12.16</a:t>
             </a:fld>
             <a:endParaRPr lang="en-US" dirty="0"/>
           </a:p>
@@ -2016,6 +2666,9 @@
   <p:clrMapOvr>
     <a:masterClrMapping/>
   </p:clrMapOvr>
+  <p:transition spd="slow">
+    <p:push dir="u"/>
+  </p:transition>
 </p:sldLayout>
 </file>
 
@@ -2074,9 +2727,9 @@
           <a:bodyPr/>
           <a:lstStyle/>
           <a:p>
-            <a:fld id="{C8C39B41-D8B5-4052-B551-9B5525EAA8B6}" type="datetimeFigureOut">
-              <a:rPr lang="en-US" dirty="0"/>
-              <a:t>12/1/2016</a:t>
+            <a:fld id="{30C63A6A-BB20-8F43-826E-4E9BAFA83870}" type="datetime1">
+              <a:rPr lang="ru-RU" smtClean="0"/>
+              <a:t>02.12.16</a:t>
             </a:fld>
             <a:endParaRPr lang="en-US" dirty="0"/>
           </a:p>
@@ -2129,6 +2782,9 @@
   <p:clrMapOvr>
     <a:masterClrMapping/>
   </p:clrMapOvr>
+  <p:transition spd="slow">
+    <p:push dir="u"/>
+  </p:transition>
 </p:sldLayout>
 </file>
 
@@ -2240,9 +2896,9 @@
           <a:bodyPr/>
           <a:lstStyle/>
           <a:p>
-            <a:fld id="{4D94136C-8742-45B2-AF27-D93DF72833A9}" type="datetimeFigureOut">
-              <a:rPr lang="en-US" dirty="0"/>
-              <a:t>12/1/2016</a:t>
+            <a:fld id="{9AE4EEA5-5ACF-D144-AD9D-2D9EA1C83F3D}" type="datetime1">
+              <a:rPr lang="ru-RU" smtClean="0"/>
+              <a:t>02.12.16</a:t>
             </a:fld>
             <a:endParaRPr lang="en-US" dirty="0"/>
           </a:p>
@@ -2304,6 +2960,9 @@
   <p:clrMapOvr>
     <a:masterClrMapping/>
   </p:clrMapOvr>
+  <p:transition spd="slow">
+    <p:push dir="u"/>
+  </p:transition>
 </p:sldLayout>
 </file>
 
@@ -2590,9 +3249,9 @@
             </a:lvl1pPr>
           </a:lstStyle>
           <a:p>
-            <a:fld id="{32ABBEA6-7C60-4B02-AE87-00D78D8422AF}" type="datetimeFigureOut">
-              <a:rPr lang="en-US" dirty="0"/>
-              <a:t>12/1/2016</a:t>
+            <a:fld id="{576E1E6F-D104-5543-8105-8F97483111B3}" type="datetime1">
+              <a:rPr lang="ru-RU" smtClean="0"/>
+              <a:t>02.12.16</a:t>
             </a:fld>
             <a:endParaRPr lang="en-US" dirty="0"/>
           </a:p>
@@ -2667,6 +3326,9 @@
   <p:clrMapOvr>
     <a:masterClrMapping/>
   </p:clrMapOvr>
+  <p:transition spd="slow">
+    <p:push dir="u"/>
+  </p:transition>
 </p:sldLayout>
 </file>
 
@@ -2968,9 +3630,9 @@
           <a:bodyPr/>
           <a:lstStyle/>
           <a:p>
-            <a:fld id="{C9CAD897-D46E-4AD2-BD9B-49DD3E640873}" type="datetimeFigureOut">
-              <a:rPr lang="en-US" dirty="0"/>
-              <a:t>12/1/2016</a:t>
+            <a:fld id="{941DEDFB-39E9-E34B-9D24-91D84F598567}" type="datetime1">
+              <a:rPr lang="ru-RU" smtClean="0"/>
+              <a:t>02.12.16</a:t>
             </a:fld>
             <a:endParaRPr lang="en-US" dirty="0"/>
           </a:p>
@@ -3023,6 +3685,9 @@
   <p:clrMapOvr>
     <a:masterClrMapping/>
   </p:clrMapOvr>
+  <p:transition spd="slow">
+    <p:push dir="u"/>
+  </p:transition>
 </p:sldLayout>
 </file>
 
@@ -3250,9 +3915,9 @@
             </a:lvl1pPr>
           </a:lstStyle>
           <a:p>
-            <a:fld id="{98624D31-43A5-475A-80CF-332C9F6DCF35}" type="datetimeFigureOut">
-              <a:rPr lang="en-US" dirty="0"/>
-              <a:t>12/1/2016</a:t>
+            <a:fld id="{AD0C4838-2DB2-024F-ABD5-C525CCBB29AB}" type="datetime1">
+              <a:rPr lang="ru-RU" smtClean="0"/>
+              <a:t>02.12.16</a:t>
             </a:fld>
             <a:endParaRPr lang="en-US" dirty="0"/>
           </a:p>
@@ -3387,7 +4052,10 @@
     <p:sldLayoutId id="2147483658" r:id="rId10"/>
     <p:sldLayoutId id="2147483659" r:id="rId11"/>
   </p:sldLayoutIdLst>
-  <p:hf sldNum="0" hdr="0" ftr="0" dt="0"/>
+  <p:transition spd="slow">
+    <p:push dir="u"/>
+  </p:transition>
+  <p:hf hdr="0" ftr="0" dt="0"/>
   <p:txStyles>
     <p:titleStyle>
       <a:lvl1pPr algn="l" defTabSz="914400" rtl="0" eaLnBrk="1" latinLnBrk="0" hangingPunct="1">
@@ -3843,6 +4511,16 @@
   <p:clrMapOvr>
     <a:masterClrMapping/>
   </p:clrMapOvr>
+  <p:transition spd="slow">
+    <p:push dir="u"/>
+  </p:transition>
+  <p:timing>
+    <p:tnLst>
+      <p:par>
+        <p:cTn id="1" dur="indefinite" restart="never" nodeType="tmRoot"/>
+      </p:par>
+    </p:tnLst>
+  </p:timing>
 </p:sld>
 </file>
 
@@ -3970,6 +4648,29 @@
           </a:extLst>
         </p:spPr>
       </p:pic>
+      <p:sp>
+        <p:nvSpPr>
+          <p:cNvPr id="3" name="Номер слайда 2"/>
+          <p:cNvSpPr>
+            <a:spLocks noGrp="1"/>
+          </p:cNvSpPr>
+          <p:nvPr>
+            <p:ph type="sldNum" sz="quarter" idx="12"/>
+          </p:nvPr>
+        </p:nvSpPr>
+        <p:spPr/>
+        <p:txBody>
+          <a:bodyPr/>
+          <a:lstStyle/>
+          <a:p>
+            <a:fld id="{6113E31D-E2AB-40D1-8B51-AFA5AFEF393A}" type="slidenum">
+              <a:rPr lang="en-US" smtClean="0"/>
+              <a:t>10</a:t>
+            </a:fld>
+            <a:endParaRPr lang="en-US" dirty="0"/>
+          </a:p>
+        </p:txBody>
+      </p:sp>
     </p:spTree>
     <p:extLst>
       <p:ext uri="{BB962C8B-B14F-4D97-AF65-F5344CB8AC3E}">
@@ -3980,6 +4681,16 @@
   <p:clrMapOvr>
     <a:masterClrMapping/>
   </p:clrMapOvr>
+  <p:transition spd="slow">
+    <p:push dir="u"/>
+  </p:transition>
+  <p:timing>
+    <p:tnLst>
+      <p:par>
+        <p:cTn id="1" dur="indefinite" restart="never" nodeType="tmRoot"/>
+      </p:par>
+    </p:tnLst>
+  </p:timing>
 </p:sld>
 </file>
 
@@ -4017,65 +4728,119 @@
           <a:p>
             <a:pPr algn="ctr"/>
             <a:r>
-              <a:rPr lang="ru-RU" dirty="0"/>
-              <a:t>Монотонная нейронная сеть</a:t>
-            </a:r>
-          </a:p>
-        </p:txBody>
-      </p:sp>
-      <p:pic>
-        <p:nvPicPr>
-          <p:cNvPr id="10242" name="Picture 2" descr="htmlconvd-o6nMza_html_23e20bb.png (1227×825)"/>
-          <p:cNvPicPr>
-            <a:picLocks noGrp="1" noChangeAspect="1" noChangeArrowheads="1"/>
-          </p:cNvPicPr>
+              <a:rPr lang="ru-RU" dirty="0" smtClean="0"/>
+              <a:t>Объективность методов программирования</a:t>
+            </a:r>
+            <a:endParaRPr lang="ru-RU" dirty="0"/>
+          </a:p>
+        </p:txBody>
+      </p:sp>
+      <p:sp>
+        <p:nvSpPr>
+          <p:cNvPr id="3" name="Объект 2"/>
+          <p:cNvSpPr>
+            <a:spLocks noGrp="1"/>
+          </p:cNvSpPr>
           <p:nvPr>
             <p:ph idx="1"/>
           </p:nvPr>
-        </p:nvPicPr>
-        <p:blipFill>
-          <a:blip r:embed="rId2">
-            <a:extLst>
-              <a:ext uri="{28A0092B-C50C-407E-A947-70E740481C1C}">
-                <a14:useLocalDpi xmlns:a14="http://schemas.microsoft.com/office/drawing/2010/main" val="0"/>
-              </a:ext>
-            </a:extLst>
-          </a:blip>
-          <a:srcRect/>
-          <a:stretch>
-            <a:fillRect/>
-          </a:stretch>
-        </p:blipFill>
-        <p:spPr bwMode="auto">
-          <a:xfrm>
-            <a:off x="2979226" y="1737360"/>
-            <a:ext cx="6294507" cy="4022725"/>
-          </a:xfrm>
-          <a:prstGeom prst="rect">
-            <a:avLst/>
-          </a:prstGeom>
-          <a:noFill/>
-          <a:extLst>
-            <a:ext uri="{909E8E84-426E-40DD-AFC4-6F175D3DCCD1}">
-              <a14:hiddenFill xmlns:a14="http://schemas.microsoft.com/office/drawing/2010/main">
-                <a:solidFill>
-                  <a:srgbClr val="FFFFFF"/>
-                </a:solidFill>
-              </a14:hiddenFill>
-            </a:ext>
-          </a:extLst>
-        </p:spPr>
-      </p:pic>
+        </p:nvSpPr>
+        <p:spPr/>
+        <p:txBody>
+          <a:bodyPr>
+            <a:normAutofit/>
+          </a:bodyPr>
+          <a:lstStyle/>
+          <a:p>
+            <a:pPr marL="285750" lvl="1" indent="-285750">
+              <a:lnSpc>
+                <a:spcPct val="100000"/>
+              </a:lnSpc>
+              <a:spcBef>
+                <a:spcPts val="0"/>
+              </a:spcBef>
+              <a:spcAft>
+                <a:spcPts val="0"/>
+              </a:spcAft>
+              <a:buClrTx/>
+            </a:pPr>
+            <a:r>
+              <a:rPr lang="ru-RU" sz="4000" b="1" dirty="0" smtClean="0"/>
+              <a:t>Качественные методы прогнозирования </a:t>
+            </a:r>
+            <a:r>
+              <a:rPr lang="ru-RU" sz="3600" u="sng" dirty="0" smtClean="0"/>
+              <a:t>(субъективны, зависят от мнения опрашиваемых)</a:t>
+            </a:r>
+          </a:p>
+          <a:p>
+            <a:pPr marL="285750" lvl="1" indent="-285750">
+              <a:lnSpc>
+                <a:spcPct val="100000"/>
+              </a:lnSpc>
+              <a:spcBef>
+                <a:spcPts val="0"/>
+              </a:spcBef>
+              <a:spcAft>
+                <a:spcPts val="0"/>
+              </a:spcAft>
+              <a:buClrTx/>
+            </a:pPr>
+            <a:r>
+              <a:rPr lang="ru-RU" sz="4000" b="1" dirty="0" smtClean="0"/>
+              <a:t>Количественные модели прогнозирования </a:t>
+            </a:r>
+            <a:r>
+              <a:rPr lang="ru-RU" sz="3600" u="sng" dirty="0" smtClean="0"/>
+              <a:t>(статистически зависимы)</a:t>
+            </a:r>
+            <a:endParaRPr lang="ru-RU" sz="3600" u="sng" dirty="0"/>
+          </a:p>
+        </p:txBody>
+      </p:sp>
+      <p:sp>
+        <p:nvSpPr>
+          <p:cNvPr id="4" name="Номер слайда 3"/>
+          <p:cNvSpPr>
+            <a:spLocks noGrp="1"/>
+          </p:cNvSpPr>
+          <p:nvPr>
+            <p:ph type="sldNum" sz="quarter" idx="12"/>
+          </p:nvPr>
+        </p:nvSpPr>
+        <p:spPr/>
+        <p:txBody>
+          <a:bodyPr/>
+          <a:lstStyle/>
+          <a:p>
+            <a:fld id="{6113E31D-E2AB-40D1-8B51-AFA5AFEF393A}" type="slidenum">
+              <a:rPr lang="en-US" smtClean="0"/>
+              <a:t>11</a:t>
+            </a:fld>
+            <a:endParaRPr lang="en-US" dirty="0"/>
+          </a:p>
+        </p:txBody>
+      </p:sp>
     </p:spTree>
     <p:extLst>
       <p:ext uri="{BB962C8B-B14F-4D97-AF65-F5344CB8AC3E}">
-        <p14:creationId xmlns:p14="http://schemas.microsoft.com/office/powerpoint/2010/main" val="3821937905"/>
+        <p14:creationId xmlns:p14="http://schemas.microsoft.com/office/powerpoint/2010/main" val="2064939687"/>
       </p:ext>
     </p:extLst>
   </p:cSld>
   <p:clrMapOvr>
     <a:masterClrMapping/>
   </p:clrMapOvr>
+  <p:transition spd="slow">
+    <p:push dir="u"/>
+  </p:transition>
+  <p:timing>
+    <p:tnLst>
+      <p:par>
+        <p:cTn id="1" dur="indefinite" restart="never" nodeType="tmRoot"/>
+      </p:par>
+    </p:tnLst>
+  </p:timing>
 </p:sld>
 </file>
 
@@ -4114,14 +4879,14 @@
             <a:pPr algn="ctr"/>
             <a:r>
               <a:rPr lang="ru-RU" dirty="0"/>
-              <a:t>Нейронная сеть без обратной связи</a:t>
+              <a:t>Монотонная нейронная сеть</a:t>
             </a:r>
           </a:p>
         </p:txBody>
       </p:sp>
       <p:pic>
         <p:nvPicPr>
-          <p:cNvPr id="11266" name="Picture 2" descr="1.gif (642×296)"/>
+          <p:cNvPr id="10242" name="Picture 2" descr="htmlconvd-o6nMza_html_23e20bb.png (1227×825)"/>
           <p:cNvPicPr>
             <a:picLocks noGrp="1" noChangeAspect="1" noChangeArrowheads="1"/>
           </p:cNvPicPr>
@@ -4144,8 +4909,8 @@
         </p:blipFill>
         <p:spPr bwMode="auto">
           <a:xfrm>
-            <a:off x="2342178" y="1894253"/>
-            <a:ext cx="7568603" cy="3489574"/>
+            <a:off x="2979226" y="1923627"/>
+            <a:ext cx="6294507" cy="4022725"/>
           </a:xfrm>
           <a:prstGeom prst="rect">
             <a:avLst/>
@@ -4162,16 +4927,49 @@
           </a:extLst>
         </p:spPr>
       </p:pic>
+      <p:sp>
+        <p:nvSpPr>
+          <p:cNvPr id="3" name="Номер слайда 2"/>
+          <p:cNvSpPr>
+            <a:spLocks noGrp="1"/>
+          </p:cNvSpPr>
+          <p:nvPr>
+            <p:ph type="sldNum" sz="quarter" idx="12"/>
+          </p:nvPr>
+        </p:nvSpPr>
+        <p:spPr/>
+        <p:txBody>
+          <a:bodyPr/>
+          <a:lstStyle/>
+          <a:p>
+            <a:fld id="{6113E31D-E2AB-40D1-8B51-AFA5AFEF393A}" type="slidenum">
+              <a:rPr lang="en-US" smtClean="0"/>
+              <a:t>12</a:t>
+            </a:fld>
+            <a:endParaRPr lang="en-US" dirty="0"/>
+          </a:p>
+        </p:txBody>
+      </p:sp>
     </p:spTree>
     <p:extLst>
       <p:ext uri="{BB962C8B-B14F-4D97-AF65-F5344CB8AC3E}">
-        <p14:creationId xmlns:p14="http://schemas.microsoft.com/office/powerpoint/2010/main" val="726356992"/>
+        <p14:creationId xmlns:p14="http://schemas.microsoft.com/office/powerpoint/2010/main" val="3821937905"/>
       </p:ext>
     </p:extLst>
   </p:cSld>
   <p:clrMapOvr>
     <a:masterClrMapping/>
   </p:clrMapOvr>
+  <p:transition spd="slow">
+    <p:push dir="u"/>
+  </p:transition>
+  <p:timing>
+    <p:tnLst>
+      <p:par>
+        <p:cTn id="1" dur="indefinite" restart="never" nodeType="tmRoot"/>
+      </p:par>
+    </p:tnLst>
+  </p:timing>
 </p:sld>
 </file>
 
@@ -4210,14 +5008,14 @@
             <a:pPr algn="ctr"/>
             <a:r>
               <a:rPr lang="ru-RU" dirty="0"/>
-              <a:t>Нейронная сеть с обратной связью</a:t>
+              <a:t>Нейронная сеть без обратной связи</a:t>
             </a:r>
           </a:p>
         </p:txBody>
       </p:sp>
       <p:pic>
         <p:nvPicPr>
-          <p:cNvPr id="12290" name="Picture 2" descr="image38.gif (640×512)"/>
+          <p:cNvPr id="11266" name="Picture 2" descr="1.gif (642×296)"/>
           <p:cNvPicPr>
             <a:picLocks noGrp="1" noChangeAspect="1" noChangeArrowheads="1"/>
           </p:cNvPicPr>
@@ -4240,8 +5038,8 @@
         </p:blipFill>
         <p:spPr bwMode="auto">
           <a:xfrm>
-            <a:off x="2961983" y="1737360"/>
-            <a:ext cx="6328994" cy="4022725"/>
+            <a:off x="2010580" y="1894252"/>
+            <a:ext cx="8231800" cy="3795347"/>
           </a:xfrm>
           <a:prstGeom prst="rect">
             <a:avLst/>
@@ -4258,16 +5056,49 @@
           </a:extLst>
         </p:spPr>
       </p:pic>
+      <p:sp>
+        <p:nvSpPr>
+          <p:cNvPr id="3" name="Номер слайда 2"/>
+          <p:cNvSpPr>
+            <a:spLocks noGrp="1"/>
+          </p:cNvSpPr>
+          <p:nvPr>
+            <p:ph type="sldNum" sz="quarter" idx="12"/>
+          </p:nvPr>
+        </p:nvSpPr>
+        <p:spPr/>
+        <p:txBody>
+          <a:bodyPr/>
+          <a:lstStyle/>
+          <a:p>
+            <a:fld id="{6113E31D-E2AB-40D1-8B51-AFA5AFEF393A}" type="slidenum">
+              <a:rPr lang="en-US" smtClean="0"/>
+              <a:t>13</a:t>
+            </a:fld>
+            <a:endParaRPr lang="en-US" dirty="0"/>
+          </a:p>
+        </p:txBody>
+      </p:sp>
     </p:spTree>
     <p:extLst>
       <p:ext uri="{BB962C8B-B14F-4D97-AF65-F5344CB8AC3E}">
-        <p14:creationId xmlns:p14="http://schemas.microsoft.com/office/powerpoint/2010/main" val="1004768629"/>
+        <p14:creationId xmlns:p14="http://schemas.microsoft.com/office/powerpoint/2010/main" val="726356992"/>
       </p:ext>
     </p:extLst>
   </p:cSld>
   <p:clrMapOvr>
     <a:masterClrMapping/>
   </p:clrMapOvr>
+  <p:transition spd="slow">
+    <p:push dir="u"/>
+  </p:transition>
+  <p:timing>
+    <p:tnLst>
+      <p:par>
+        <p:cTn id="1" dur="indefinite" restart="never" nodeType="tmRoot"/>
+      </p:par>
+    </p:tnLst>
+  </p:timing>
 </p:sld>
 </file>
 
@@ -4306,19 +5137,62 @@
             <a:pPr algn="ctr"/>
             <a:r>
               <a:rPr lang="ru-RU" dirty="0"/>
-              <a:t>Дополнительные способы классификации</a:t>
-            </a:r>
-          </a:p>
-        </p:txBody>
-      </p:sp>
-      <p:sp>
-        <p:nvSpPr>
-          <p:cNvPr id="3" name="Объект 2"/>
-          <p:cNvSpPr>
-            <a:spLocks noGrp="1"/>
-          </p:cNvSpPr>
+              <a:t>Нейронная сеть с обратной связью</a:t>
+            </a:r>
+          </a:p>
+        </p:txBody>
+      </p:sp>
+      <p:pic>
+        <p:nvPicPr>
+          <p:cNvPr id="12290" name="Picture 2" descr="image38.gif (640×512)"/>
+          <p:cNvPicPr>
+            <a:picLocks noGrp="1" noChangeAspect="1" noChangeArrowheads="1"/>
+          </p:cNvPicPr>
           <p:nvPr>
             <p:ph idx="1"/>
+          </p:nvPr>
+        </p:nvPicPr>
+        <p:blipFill>
+          <a:blip r:embed="rId2">
+            <a:extLst>
+              <a:ext uri="{28A0092B-C50C-407E-A947-70E740481C1C}">
+                <a14:useLocalDpi xmlns:a14="http://schemas.microsoft.com/office/drawing/2010/main" val="0"/>
+              </a:ext>
+            </a:extLst>
+          </a:blip>
+          <a:srcRect/>
+          <a:stretch>
+            <a:fillRect/>
+          </a:stretch>
+        </p:blipFill>
+        <p:spPr bwMode="auto">
+          <a:xfrm>
+            <a:off x="2604489" y="1737360"/>
+            <a:ext cx="7043982" cy="4477173"/>
+          </a:xfrm>
+          <a:prstGeom prst="rect">
+            <a:avLst/>
+          </a:prstGeom>
+          <a:noFill/>
+          <a:extLst>
+            <a:ext uri="{909E8E84-426E-40DD-AFC4-6F175D3DCCD1}">
+              <a14:hiddenFill xmlns:a14="http://schemas.microsoft.com/office/drawing/2010/main">
+                <a:solidFill>
+                  <a:srgbClr val="FFFFFF"/>
+                </a:solidFill>
+              </a14:hiddenFill>
+            </a:ext>
+          </a:extLst>
+        </p:spPr>
+      </p:pic>
+      <p:sp>
+        <p:nvSpPr>
+          <p:cNvPr id="3" name="Номер слайда 2"/>
+          <p:cNvSpPr>
+            <a:spLocks noGrp="1"/>
+          </p:cNvSpPr>
+          <p:nvPr>
+            <p:ph type="sldNum" sz="quarter" idx="12"/>
           </p:nvPr>
         </p:nvSpPr>
         <p:spPr/>
@@ -4326,96 +5200,34 @@
           <a:bodyPr/>
           <a:lstStyle/>
           <a:p>
-            <a:pPr marL="0" indent="0">
-              <a:buNone/>
-            </a:pPr>
-            <a:r>
-              <a:rPr lang="ru-RU" sz="2400" b="1" dirty="0"/>
-              <a:t>По классу синхронности</a:t>
-            </a:r>
-          </a:p>
-          <a:p>
-            <a:pPr marL="578358" lvl="1" indent="-285750"/>
-            <a:r>
-              <a:rPr lang="ru-RU" sz="2000" dirty="0"/>
-              <a:t>Синхронные</a:t>
-            </a:r>
-          </a:p>
-          <a:p>
-            <a:pPr marL="578358" lvl="1" indent="-285750"/>
-            <a:r>
-              <a:rPr lang="ru-RU" sz="2000" dirty="0"/>
-              <a:t>Асинхронные</a:t>
-            </a:r>
-          </a:p>
-          <a:p>
-            <a:pPr marL="0" indent="0">
-              <a:buNone/>
-            </a:pPr>
-            <a:r>
-              <a:rPr lang="ru-RU" sz="2400" b="1" dirty="0"/>
-              <a:t>По характеру настройки синапсов</a:t>
-            </a:r>
-          </a:p>
-          <a:p>
-            <a:pPr marL="578358" lvl="1" indent="-285750"/>
-            <a:r>
-              <a:rPr lang="ru-RU" sz="2000" dirty="0"/>
-              <a:t>С фиксированными связями</a:t>
-            </a:r>
-          </a:p>
-          <a:p>
-            <a:pPr marL="578358" lvl="1" indent="-285750"/>
-            <a:r>
-              <a:rPr lang="ru-RU" sz="2000" dirty="0"/>
-              <a:t>С динамическими связями</a:t>
-            </a:r>
-          </a:p>
-          <a:p>
-            <a:pPr marL="0" indent="0">
-              <a:buNone/>
-            </a:pPr>
-            <a:r>
-              <a:rPr lang="ru-RU" sz="2400" b="1" dirty="0"/>
-              <a:t>По типу обучения</a:t>
-            </a:r>
-          </a:p>
-          <a:p>
-            <a:pPr lvl="1"/>
-            <a:r>
-              <a:rPr lang="ru-RU" sz="2000" dirty="0"/>
-              <a:t>С учителем</a:t>
-            </a:r>
-          </a:p>
-          <a:p>
-            <a:pPr lvl="1"/>
-            <a:r>
-              <a:rPr lang="ru-RU" sz="2000" dirty="0"/>
-              <a:t>Без учителя</a:t>
-            </a:r>
-          </a:p>
-          <a:p>
-            <a:pPr lvl="1"/>
-            <a:r>
-              <a:rPr lang="ru-RU" sz="2000" dirty="0"/>
-              <a:t>Смешанное обучение</a:t>
-            </a:r>
-          </a:p>
-          <a:p>
-            <a:endParaRPr lang="ru-RU" dirty="0"/>
+            <a:fld id="{6113E31D-E2AB-40D1-8B51-AFA5AFEF393A}" type="slidenum">
+              <a:rPr lang="en-US" smtClean="0"/>
+              <a:t>14</a:t>
+            </a:fld>
+            <a:endParaRPr lang="en-US" dirty="0"/>
           </a:p>
         </p:txBody>
       </p:sp>
     </p:spTree>
     <p:extLst>
       <p:ext uri="{BB962C8B-B14F-4D97-AF65-F5344CB8AC3E}">
-        <p14:creationId xmlns:p14="http://schemas.microsoft.com/office/powerpoint/2010/main" val="3371793663"/>
+        <p14:creationId xmlns:p14="http://schemas.microsoft.com/office/powerpoint/2010/main" val="1004768629"/>
       </p:ext>
     </p:extLst>
   </p:cSld>
   <p:clrMapOvr>
     <a:masterClrMapping/>
   </p:clrMapOvr>
+  <p:transition spd="slow">
+    <p:push dir="u"/>
+  </p:transition>
+  <p:timing>
+    <p:tnLst>
+      <p:par>
+        <p:cTn id="1" dur="indefinite" restart="never" nodeType="tmRoot"/>
+      </p:par>
+    </p:tnLst>
+  </p:timing>
 </p:sld>
 </file>
 
@@ -4453,10 +5265,1088 @@
           <a:p>
             <a:pPr algn="ctr"/>
             <a:r>
+              <a:rPr lang="ru-RU" dirty="0" smtClean="0"/>
+              <a:t>Функции активации</a:t>
+            </a:r>
+            <a:endParaRPr lang="ru-RU" dirty="0"/>
+          </a:p>
+        </p:txBody>
+      </p:sp>
+      <p:pic>
+        <p:nvPicPr>
+          <p:cNvPr id="5" name="Объект 4"/>
+          <p:cNvPicPr>
+            <a:picLocks noGrp="1" noChangeAspect="1"/>
+          </p:cNvPicPr>
+          <p:nvPr>
+            <p:ph idx="1"/>
+          </p:nvPr>
+        </p:nvPicPr>
+        <p:blipFill>
+          <a:blip r:embed="rId2">
+            <a:extLst>
+              <a:ext uri="{28A0092B-C50C-407E-A947-70E740481C1C}">
+                <a14:useLocalDpi xmlns:a14="http://schemas.microsoft.com/office/drawing/2010/main" val="0"/>
+              </a:ext>
+            </a:extLst>
+          </a:blip>
+          <a:stretch>
+            <a:fillRect/>
+          </a:stretch>
+        </p:blipFill>
+        <p:spPr>
+          <a:xfrm>
+            <a:off x="1894899" y="1737360"/>
+            <a:ext cx="8463162" cy="4501682"/>
+          </a:xfrm>
+          <a:prstGeom prst="roundRect">
+            <a:avLst>
+              <a:gd name="adj" fmla="val 0"/>
+            </a:avLst>
+          </a:prstGeom>
+        </p:spPr>
+      </p:pic>
+      <p:sp>
+        <p:nvSpPr>
+          <p:cNvPr id="6" name="Номер слайда 5"/>
+          <p:cNvSpPr>
+            <a:spLocks noGrp="1"/>
+          </p:cNvSpPr>
+          <p:nvPr>
+            <p:ph type="sldNum" sz="quarter" idx="12"/>
+          </p:nvPr>
+        </p:nvSpPr>
+        <p:spPr/>
+        <p:txBody>
+          <a:bodyPr/>
+          <a:lstStyle/>
+          <a:p>
+            <a:fld id="{6113E31D-E2AB-40D1-8B51-AFA5AFEF393A}" type="slidenum">
+              <a:rPr lang="en-US" smtClean="0"/>
+              <a:t>15</a:t>
+            </a:fld>
+            <a:endParaRPr lang="en-US" dirty="0"/>
+          </a:p>
+        </p:txBody>
+      </p:sp>
+    </p:spTree>
+    <p:extLst>
+      <p:ext uri="{BB962C8B-B14F-4D97-AF65-F5344CB8AC3E}">
+        <p14:creationId xmlns:p14="http://schemas.microsoft.com/office/powerpoint/2010/main" val="233119176"/>
+      </p:ext>
+    </p:extLst>
+  </p:cSld>
+  <p:clrMapOvr>
+    <a:masterClrMapping/>
+  </p:clrMapOvr>
+  <p:transition spd="slow">
+    <p:push dir="u"/>
+  </p:transition>
+  <p:timing>
+    <p:tnLst>
+      <p:par>
+        <p:cTn id="1" dur="indefinite" restart="never" nodeType="tmRoot"/>
+      </p:par>
+    </p:tnLst>
+  </p:timing>
+</p:sld>
+</file>
+
+<file path=ppt/slides/slide16.xml><?xml version="1.0" encoding="utf-8"?>
+<p:sld xmlns:a="http://schemas.openxmlformats.org/drawingml/2006/main" xmlns:r="http://schemas.openxmlformats.org/officeDocument/2006/relationships" xmlns:p="http://schemas.openxmlformats.org/presentationml/2006/main">
+  <p:cSld>
+    <p:spTree>
+      <p:nvGrpSpPr>
+        <p:cNvPr id="1" name=""/>
+        <p:cNvGrpSpPr/>
+        <p:nvPr/>
+      </p:nvGrpSpPr>
+      <p:grpSpPr>
+        <a:xfrm>
+          <a:off x="0" y="0"/>
+          <a:ext cx="0" cy="0"/>
+          <a:chOff x="0" y="0"/>
+          <a:chExt cx="0" cy="0"/>
+        </a:xfrm>
+      </p:grpSpPr>
+      <p:sp>
+        <p:nvSpPr>
+          <p:cNvPr id="2" name="Заголовок 1"/>
+          <p:cNvSpPr>
+            <a:spLocks noGrp="1"/>
+          </p:cNvSpPr>
+          <p:nvPr>
+            <p:ph type="title"/>
+          </p:nvPr>
+        </p:nvSpPr>
+        <p:spPr/>
+        <p:txBody>
+          <a:bodyPr/>
+          <a:lstStyle/>
+          <a:p>
+            <a:pPr algn="ctr"/>
+            <a:r>
+              <a:rPr lang="ru-RU" dirty="0" smtClean="0"/>
+              <a:t>Функции активации</a:t>
+            </a:r>
+            <a:endParaRPr lang="ru-RU" dirty="0"/>
+          </a:p>
+        </p:txBody>
+      </p:sp>
+      <p:pic>
+        <p:nvPicPr>
+          <p:cNvPr id="4" name="Рисунок 3"/>
+          <p:cNvPicPr>
+            <a:picLocks noChangeAspect="1"/>
+          </p:cNvPicPr>
+          <p:nvPr/>
+        </p:nvPicPr>
+        <p:blipFill>
+          <a:blip r:embed="rId2">
+            <a:extLst>
+              <a:ext uri="{28A0092B-C50C-407E-A947-70E740481C1C}">
+                <a14:useLocalDpi xmlns:a14="http://schemas.microsoft.com/office/drawing/2010/main" val="0"/>
+              </a:ext>
+            </a:extLst>
+          </a:blip>
+          <a:stretch>
+            <a:fillRect/>
+          </a:stretch>
+        </p:blipFill>
+        <p:spPr>
+          <a:xfrm>
+            <a:off x="4126230" y="2331290"/>
+            <a:ext cx="4000500" cy="3810000"/>
+          </a:xfrm>
+          <a:prstGeom prst="rect">
+            <a:avLst/>
+          </a:prstGeom>
+        </p:spPr>
+      </p:pic>
+      <p:pic>
+        <p:nvPicPr>
+          <p:cNvPr id="5" name="Рисунок 4"/>
+          <p:cNvPicPr>
+            <a:picLocks noChangeAspect="1"/>
+          </p:cNvPicPr>
+          <p:nvPr/>
+        </p:nvPicPr>
+        <p:blipFill>
+          <a:blip r:embed="rId3">
+            <a:extLst>
+              <a:ext uri="{28A0092B-C50C-407E-A947-70E740481C1C}">
+                <a14:useLocalDpi xmlns:a14="http://schemas.microsoft.com/office/drawing/2010/main" val="0"/>
+              </a:ext>
+            </a:extLst>
+          </a:blip>
+          <a:stretch>
+            <a:fillRect/>
+          </a:stretch>
+        </p:blipFill>
+        <p:spPr>
+          <a:xfrm>
+            <a:off x="4126230" y="2327044"/>
+            <a:ext cx="4000500" cy="3810000"/>
+          </a:xfrm>
+          <a:prstGeom prst="rect">
+            <a:avLst/>
+          </a:prstGeom>
+        </p:spPr>
+      </p:pic>
+      <p:pic>
+        <p:nvPicPr>
+          <p:cNvPr id="6" name="Рисунок 5"/>
+          <p:cNvPicPr>
+            <a:picLocks noChangeAspect="1"/>
+          </p:cNvPicPr>
+          <p:nvPr/>
+        </p:nvPicPr>
+        <p:blipFill>
+          <a:blip r:embed="rId4">
+            <a:extLst>
+              <a:ext uri="{28A0092B-C50C-407E-A947-70E740481C1C}">
+                <a14:useLocalDpi xmlns:a14="http://schemas.microsoft.com/office/drawing/2010/main" val="0"/>
+              </a:ext>
+            </a:extLst>
+          </a:blip>
+          <a:stretch>
+            <a:fillRect/>
+          </a:stretch>
+        </p:blipFill>
+        <p:spPr>
+          <a:xfrm>
+            <a:off x="4126230" y="2322798"/>
+            <a:ext cx="4000500" cy="3810000"/>
+          </a:xfrm>
+          <a:prstGeom prst="rect">
+            <a:avLst/>
+          </a:prstGeom>
+        </p:spPr>
+      </p:pic>
+      <p:pic>
+        <p:nvPicPr>
+          <p:cNvPr id="7" name="Рисунок 6"/>
+          <p:cNvPicPr>
+            <a:picLocks noChangeAspect="1"/>
+          </p:cNvPicPr>
+          <p:nvPr/>
+        </p:nvPicPr>
+        <p:blipFill>
+          <a:blip r:embed="rId5">
+            <a:extLst>
+              <a:ext uri="{28A0092B-C50C-407E-A947-70E740481C1C}">
+                <a14:useLocalDpi xmlns:a14="http://schemas.microsoft.com/office/drawing/2010/main" val="0"/>
+              </a:ext>
+            </a:extLst>
+          </a:blip>
+          <a:stretch>
+            <a:fillRect/>
+          </a:stretch>
+        </p:blipFill>
+        <p:spPr>
+          <a:xfrm>
+            <a:off x="4126230" y="2331290"/>
+            <a:ext cx="4000500" cy="3810000"/>
+          </a:xfrm>
+          <a:prstGeom prst="rect">
+            <a:avLst/>
+          </a:prstGeom>
+        </p:spPr>
+      </p:pic>
+      <p:sp>
+        <p:nvSpPr>
+          <p:cNvPr id="8" name="Номер слайда 7"/>
+          <p:cNvSpPr>
+            <a:spLocks noGrp="1"/>
+          </p:cNvSpPr>
+          <p:nvPr>
+            <p:ph type="sldNum" sz="quarter" idx="12"/>
+          </p:nvPr>
+        </p:nvSpPr>
+        <p:spPr/>
+        <p:txBody>
+          <a:bodyPr/>
+          <a:lstStyle/>
+          <a:p>
+            <a:fld id="{6113E31D-E2AB-40D1-8B51-AFA5AFEF393A}" type="slidenum">
+              <a:rPr lang="en-US" smtClean="0"/>
+              <a:t>16</a:t>
+            </a:fld>
+            <a:endParaRPr lang="en-US" dirty="0"/>
+          </a:p>
+        </p:txBody>
+      </p:sp>
+    </p:spTree>
+    <p:extLst>
+      <p:ext uri="{BB962C8B-B14F-4D97-AF65-F5344CB8AC3E}">
+        <p14:creationId xmlns:p14="http://schemas.microsoft.com/office/powerpoint/2010/main" val="1685339764"/>
+      </p:ext>
+    </p:extLst>
+  </p:cSld>
+  <p:clrMapOvr>
+    <a:masterClrMapping/>
+  </p:clrMapOvr>
+  <p:transition spd="slow">
+    <p:push dir="u"/>
+  </p:transition>
+  <p:timing>
+    <p:tnLst>
+      <p:par>
+        <p:cTn id="1" dur="indefinite" restart="never" nodeType="tmRoot">
+          <p:childTnLst>
+            <p:seq concurrent="1" nextAc="seek">
+              <p:cTn id="2" dur="indefinite" nodeType="mainSeq">
+                <p:childTnLst>
+                  <p:par>
+                    <p:cTn id="3" fill="hold">
+                      <p:stCondLst>
+                        <p:cond delay="indefinite"/>
+                      </p:stCondLst>
+                      <p:childTnLst>
+                        <p:par>
+                          <p:cTn id="4" fill="hold">
+                            <p:stCondLst>
+                              <p:cond delay="0"/>
+                            </p:stCondLst>
+                            <p:childTnLst>
+                              <p:par>
+                                <p:cTn id="5" presetID="2" presetClass="entr" presetSubtype="4" fill="hold" nodeType="clickEffect">
+                                  <p:stCondLst>
+                                    <p:cond delay="0"/>
+                                  </p:stCondLst>
+                                  <p:childTnLst>
+                                    <p:set>
+                                      <p:cBhvr>
+                                        <p:cTn id="6" dur="1" fill="hold">
+                                          <p:stCondLst>
+                                            <p:cond delay="0"/>
+                                          </p:stCondLst>
+                                        </p:cTn>
+                                        <p:tgtEl>
+                                          <p:spTgt spid="4"/>
+                                        </p:tgtEl>
+                                        <p:attrNameLst>
+                                          <p:attrName>style.visibility</p:attrName>
+                                        </p:attrNameLst>
+                                      </p:cBhvr>
+                                      <p:to>
+                                        <p:strVal val="visible"/>
+                                      </p:to>
+                                    </p:set>
+                                    <p:anim calcmode="lin" valueType="num">
+                                      <p:cBhvr additive="base">
+                                        <p:cTn id="7" dur="500" fill="hold"/>
+                                        <p:tgtEl>
+                                          <p:spTgt spid="4"/>
+                                        </p:tgtEl>
+                                        <p:attrNameLst>
+                                          <p:attrName>ppt_x</p:attrName>
+                                        </p:attrNameLst>
+                                      </p:cBhvr>
+                                      <p:tavLst>
+                                        <p:tav tm="0">
+                                          <p:val>
+                                            <p:strVal val="#ppt_x"/>
+                                          </p:val>
+                                        </p:tav>
+                                        <p:tav tm="100000">
+                                          <p:val>
+                                            <p:strVal val="#ppt_x"/>
+                                          </p:val>
+                                        </p:tav>
+                                      </p:tavLst>
+                                    </p:anim>
+                                    <p:anim calcmode="lin" valueType="num">
+                                      <p:cBhvr additive="base">
+                                        <p:cTn id="8" dur="500" fill="hold"/>
+                                        <p:tgtEl>
+                                          <p:spTgt spid="4"/>
+                                        </p:tgtEl>
+                                        <p:attrNameLst>
+                                          <p:attrName>ppt_y</p:attrName>
+                                        </p:attrNameLst>
+                                      </p:cBhvr>
+                                      <p:tavLst>
+                                        <p:tav tm="0">
+                                          <p:val>
+                                            <p:strVal val="1+#ppt_h/2"/>
+                                          </p:val>
+                                        </p:tav>
+                                        <p:tav tm="100000">
+                                          <p:val>
+                                            <p:strVal val="#ppt_y"/>
+                                          </p:val>
+                                        </p:tav>
+                                      </p:tavLst>
+                                    </p:anim>
+                                  </p:childTnLst>
+                                </p:cTn>
+                              </p:par>
+                            </p:childTnLst>
+                          </p:cTn>
+                        </p:par>
+                      </p:childTnLst>
+                    </p:cTn>
+                  </p:par>
+                  <p:par>
+                    <p:cTn id="9" fill="hold">
+                      <p:stCondLst>
+                        <p:cond delay="indefinite"/>
+                      </p:stCondLst>
+                      <p:childTnLst>
+                        <p:par>
+                          <p:cTn id="10" fill="hold">
+                            <p:stCondLst>
+                              <p:cond delay="0"/>
+                            </p:stCondLst>
+                            <p:childTnLst>
+                              <p:par>
+                                <p:cTn id="11" presetID="2" presetClass="exit" presetSubtype="4" fill="hold" nodeType="clickEffect">
+                                  <p:stCondLst>
+                                    <p:cond delay="0"/>
+                                  </p:stCondLst>
+                                  <p:childTnLst>
+                                    <p:anim calcmode="lin" valueType="num">
+                                      <p:cBhvr additive="base">
+                                        <p:cTn id="12" dur="500"/>
+                                        <p:tgtEl>
+                                          <p:spTgt spid="4"/>
+                                        </p:tgtEl>
+                                        <p:attrNameLst>
+                                          <p:attrName>ppt_x</p:attrName>
+                                        </p:attrNameLst>
+                                      </p:cBhvr>
+                                      <p:tavLst>
+                                        <p:tav tm="0">
+                                          <p:val>
+                                            <p:strVal val="ppt_x"/>
+                                          </p:val>
+                                        </p:tav>
+                                        <p:tav tm="100000">
+                                          <p:val>
+                                            <p:strVal val="ppt_x"/>
+                                          </p:val>
+                                        </p:tav>
+                                      </p:tavLst>
+                                    </p:anim>
+                                    <p:anim calcmode="lin" valueType="num">
+                                      <p:cBhvr additive="base">
+                                        <p:cTn id="13" dur="500"/>
+                                        <p:tgtEl>
+                                          <p:spTgt spid="4"/>
+                                        </p:tgtEl>
+                                        <p:attrNameLst>
+                                          <p:attrName>ppt_y</p:attrName>
+                                        </p:attrNameLst>
+                                      </p:cBhvr>
+                                      <p:tavLst>
+                                        <p:tav tm="0">
+                                          <p:val>
+                                            <p:strVal val="ppt_y"/>
+                                          </p:val>
+                                        </p:tav>
+                                        <p:tav tm="100000">
+                                          <p:val>
+                                            <p:strVal val="1+ppt_h/2"/>
+                                          </p:val>
+                                        </p:tav>
+                                      </p:tavLst>
+                                    </p:anim>
+                                    <p:set>
+                                      <p:cBhvr>
+                                        <p:cTn id="14" dur="1" fill="hold">
+                                          <p:stCondLst>
+                                            <p:cond delay="499"/>
+                                          </p:stCondLst>
+                                        </p:cTn>
+                                        <p:tgtEl>
+                                          <p:spTgt spid="4"/>
+                                        </p:tgtEl>
+                                        <p:attrNameLst>
+                                          <p:attrName>style.visibility</p:attrName>
+                                        </p:attrNameLst>
+                                      </p:cBhvr>
+                                      <p:to>
+                                        <p:strVal val="hidden"/>
+                                      </p:to>
+                                    </p:set>
+                                  </p:childTnLst>
+                                </p:cTn>
+                              </p:par>
+                            </p:childTnLst>
+                          </p:cTn>
+                        </p:par>
+                      </p:childTnLst>
+                    </p:cTn>
+                  </p:par>
+                  <p:par>
+                    <p:cTn id="15" fill="hold">
+                      <p:stCondLst>
+                        <p:cond delay="indefinite"/>
+                      </p:stCondLst>
+                      <p:childTnLst>
+                        <p:par>
+                          <p:cTn id="16" fill="hold">
+                            <p:stCondLst>
+                              <p:cond delay="0"/>
+                            </p:stCondLst>
+                            <p:childTnLst>
+                              <p:par>
+                                <p:cTn id="17" presetID="2" presetClass="entr" presetSubtype="4" fill="hold" nodeType="clickEffect">
+                                  <p:stCondLst>
+                                    <p:cond delay="0"/>
+                                  </p:stCondLst>
+                                  <p:childTnLst>
+                                    <p:set>
+                                      <p:cBhvr>
+                                        <p:cTn id="18" dur="1" fill="hold">
+                                          <p:stCondLst>
+                                            <p:cond delay="0"/>
+                                          </p:stCondLst>
+                                        </p:cTn>
+                                        <p:tgtEl>
+                                          <p:spTgt spid="5"/>
+                                        </p:tgtEl>
+                                        <p:attrNameLst>
+                                          <p:attrName>style.visibility</p:attrName>
+                                        </p:attrNameLst>
+                                      </p:cBhvr>
+                                      <p:to>
+                                        <p:strVal val="visible"/>
+                                      </p:to>
+                                    </p:set>
+                                    <p:anim calcmode="lin" valueType="num">
+                                      <p:cBhvr additive="base">
+                                        <p:cTn id="19" dur="500" fill="hold"/>
+                                        <p:tgtEl>
+                                          <p:spTgt spid="5"/>
+                                        </p:tgtEl>
+                                        <p:attrNameLst>
+                                          <p:attrName>ppt_x</p:attrName>
+                                        </p:attrNameLst>
+                                      </p:cBhvr>
+                                      <p:tavLst>
+                                        <p:tav tm="0">
+                                          <p:val>
+                                            <p:strVal val="#ppt_x"/>
+                                          </p:val>
+                                        </p:tav>
+                                        <p:tav tm="100000">
+                                          <p:val>
+                                            <p:strVal val="#ppt_x"/>
+                                          </p:val>
+                                        </p:tav>
+                                      </p:tavLst>
+                                    </p:anim>
+                                    <p:anim calcmode="lin" valueType="num">
+                                      <p:cBhvr additive="base">
+                                        <p:cTn id="20" dur="500" fill="hold"/>
+                                        <p:tgtEl>
+                                          <p:spTgt spid="5"/>
+                                        </p:tgtEl>
+                                        <p:attrNameLst>
+                                          <p:attrName>ppt_y</p:attrName>
+                                        </p:attrNameLst>
+                                      </p:cBhvr>
+                                      <p:tavLst>
+                                        <p:tav tm="0">
+                                          <p:val>
+                                            <p:strVal val="1+#ppt_h/2"/>
+                                          </p:val>
+                                        </p:tav>
+                                        <p:tav tm="100000">
+                                          <p:val>
+                                            <p:strVal val="#ppt_y"/>
+                                          </p:val>
+                                        </p:tav>
+                                      </p:tavLst>
+                                    </p:anim>
+                                  </p:childTnLst>
+                                </p:cTn>
+                              </p:par>
+                            </p:childTnLst>
+                          </p:cTn>
+                        </p:par>
+                      </p:childTnLst>
+                    </p:cTn>
+                  </p:par>
+                  <p:par>
+                    <p:cTn id="21" fill="hold">
+                      <p:stCondLst>
+                        <p:cond delay="indefinite"/>
+                      </p:stCondLst>
+                      <p:childTnLst>
+                        <p:par>
+                          <p:cTn id="22" fill="hold">
+                            <p:stCondLst>
+                              <p:cond delay="0"/>
+                            </p:stCondLst>
+                            <p:childTnLst>
+                              <p:par>
+                                <p:cTn id="23" presetID="2" presetClass="exit" presetSubtype="4" fill="hold" nodeType="clickEffect">
+                                  <p:stCondLst>
+                                    <p:cond delay="0"/>
+                                  </p:stCondLst>
+                                  <p:childTnLst>
+                                    <p:anim calcmode="lin" valueType="num">
+                                      <p:cBhvr additive="base">
+                                        <p:cTn id="24" dur="500"/>
+                                        <p:tgtEl>
+                                          <p:spTgt spid="5"/>
+                                        </p:tgtEl>
+                                        <p:attrNameLst>
+                                          <p:attrName>ppt_x</p:attrName>
+                                        </p:attrNameLst>
+                                      </p:cBhvr>
+                                      <p:tavLst>
+                                        <p:tav tm="0">
+                                          <p:val>
+                                            <p:strVal val="ppt_x"/>
+                                          </p:val>
+                                        </p:tav>
+                                        <p:tav tm="100000">
+                                          <p:val>
+                                            <p:strVal val="ppt_x"/>
+                                          </p:val>
+                                        </p:tav>
+                                      </p:tavLst>
+                                    </p:anim>
+                                    <p:anim calcmode="lin" valueType="num">
+                                      <p:cBhvr additive="base">
+                                        <p:cTn id="25" dur="500"/>
+                                        <p:tgtEl>
+                                          <p:spTgt spid="5"/>
+                                        </p:tgtEl>
+                                        <p:attrNameLst>
+                                          <p:attrName>ppt_y</p:attrName>
+                                        </p:attrNameLst>
+                                      </p:cBhvr>
+                                      <p:tavLst>
+                                        <p:tav tm="0">
+                                          <p:val>
+                                            <p:strVal val="ppt_y"/>
+                                          </p:val>
+                                        </p:tav>
+                                        <p:tav tm="100000">
+                                          <p:val>
+                                            <p:strVal val="1+ppt_h/2"/>
+                                          </p:val>
+                                        </p:tav>
+                                      </p:tavLst>
+                                    </p:anim>
+                                    <p:set>
+                                      <p:cBhvr>
+                                        <p:cTn id="26" dur="1" fill="hold">
+                                          <p:stCondLst>
+                                            <p:cond delay="499"/>
+                                          </p:stCondLst>
+                                        </p:cTn>
+                                        <p:tgtEl>
+                                          <p:spTgt spid="5"/>
+                                        </p:tgtEl>
+                                        <p:attrNameLst>
+                                          <p:attrName>style.visibility</p:attrName>
+                                        </p:attrNameLst>
+                                      </p:cBhvr>
+                                      <p:to>
+                                        <p:strVal val="hidden"/>
+                                      </p:to>
+                                    </p:set>
+                                  </p:childTnLst>
+                                </p:cTn>
+                              </p:par>
+                            </p:childTnLst>
+                          </p:cTn>
+                        </p:par>
+                      </p:childTnLst>
+                    </p:cTn>
+                  </p:par>
+                  <p:par>
+                    <p:cTn id="27" fill="hold">
+                      <p:stCondLst>
+                        <p:cond delay="indefinite"/>
+                      </p:stCondLst>
+                      <p:childTnLst>
+                        <p:par>
+                          <p:cTn id="28" fill="hold">
+                            <p:stCondLst>
+                              <p:cond delay="0"/>
+                            </p:stCondLst>
+                            <p:childTnLst>
+                              <p:par>
+                                <p:cTn id="29" presetID="2" presetClass="entr" presetSubtype="4" fill="hold" nodeType="clickEffect">
+                                  <p:stCondLst>
+                                    <p:cond delay="0"/>
+                                  </p:stCondLst>
+                                  <p:childTnLst>
+                                    <p:set>
+                                      <p:cBhvr>
+                                        <p:cTn id="30" dur="1" fill="hold">
+                                          <p:stCondLst>
+                                            <p:cond delay="0"/>
+                                          </p:stCondLst>
+                                        </p:cTn>
+                                        <p:tgtEl>
+                                          <p:spTgt spid="6"/>
+                                        </p:tgtEl>
+                                        <p:attrNameLst>
+                                          <p:attrName>style.visibility</p:attrName>
+                                        </p:attrNameLst>
+                                      </p:cBhvr>
+                                      <p:to>
+                                        <p:strVal val="visible"/>
+                                      </p:to>
+                                    </p:set>
+                                    <p:anim calcmode="lin" valueType="num">
+                                      <p:cBhvr additive="base">
+                                        <p:cTn id="31" dur="500" fill="hold"/>
+                                        <p:tgtEl>
+                                          <p:spTgt spid="6"/>
+                                        </p:tgtEl>
+                                        <p:attrNameLst>
+                                          <p:attrName>ppt_x</p:attrName>
+                                        </p:attrNameLst>
+                                      </p:cBhvr>
+                                      <p:tavLst>
+                                        <p:tav tm="0">
+                                          <p:val>
+                                            <p:strVal val="#ppt_x"/>
+                                          </p:val>
+                                        </p:tav>
+                                        <p:tav tm="100000">
+                                          <p:val>
+                                            <p:strVal val="#ppt_x"/>
+                                          </p:val>
+                                        </p:tav>
+                                      </p:tavLst>
+                                    </p:anim>
+                                    <p:anim calcmode="lin" valueType="num">
+                                      <p:cBhvr additive="base">
+                                        <p:cTn id="32" dur="500" fill="hold"/>
+                                        <p:tgtEl>
+                                          <p:spTgt spid="6"/>
+                                        </p:tgtEl>
+                                        <p:attrNameLst>
+                                          <p:attrName>ppt_y</p:attrName>
+                                        </p:attrNameLst>
+                                      </p:cBhvr>
+                                      <p:tavLst>
+                                        <p:tav tm="0">
+                                          <p:val>
+                                            <p:strVal val="1+#ppt_h/2"/>
+                                          </p:val>
+                                        </p:tav>
+                                        <p:tav tm="100000">
+                                          <p:val>
+                                            <p:strVal val="#ppt_y"/>
+                                          </p:val>
+                                        </p:tav>
+                                      </p:tavLst>
+                                    </p:anim>
+                                  </p:childTnLst>
+                                </p:cTn>
+                              </p:par>
+                            </p:childTnLst>
+                          </p:cTn>
+                        </p:par>
+                      </p:childTnLst>
+                    </p:cTn>
+                  </p:par>
+                  <p:par>
+                    <p:cTn id="33" fill="hold">
+                      <p:stCondLst>
+                        <p:cond delay="indefinite"/>
+                      </p:stCondLst>
+                      <p:childTnLst>
+                        <p:par>
+                          <p:cTn id="34" fill="hold">
+                            <p:stCondLst>
+                              <p:cond delay="0"/>
+                            </p:stCondLst>
+                            <p:childTnLst>
+                              <p:par>
+                                <p:cTn id="35" presetID="2" presetClass="exit" presetSubtype="4" fill="hold" nodeType="clickEffect">
+                                  <p:stCondLst>
+                                    <p:cond delay="0"/>
+                                  </p:stCondLst>
+                                  <p:childTnLst>
+                                    <p:anim calcmode="lin" valueType="num">
+                                      <p:cBhvr additive="base">
+                                        <p:cTn id="36" dur="500"/>
+                                        <p:tgtEl>
+                                          <p:spTgt spid="6"/>
+                                        </p:tgtEl>
+                                        <p:attrNameLst>
+                                          <p:attrName>ppt_x</p:attrName>
+                                        </p:attrNameLst>
+                                      </p:cBhvr>
+                                      <p:tavLst>
+                                        <p:tav tm="0">
+                                          <p:val>
+                                            <p:strVal val="ppt_x"/>
+                                          </p:val>
+                                        </p:tav>
+                                        <p:tav tm="100000">
+                                          <p:val>
+                                            <p:strVal val="ppt_x"/>
+                                          </p:val>
+                                        </p:tav>
+                                      </p:tavLst>
+                                    </p:anim>
+                                    <p:anim calcmode="lin" valueType="num">
+                                      <p:cBhvr additive="base">
+                                        <p:cTn id="37" dur="500"/>
+                                        <p:tgtEl>
+                                          <p:spTgt spid="6"/>
+                                        </p:tgtEl>
+                                        <p:attrNameLst>
+                                          <p:attrName>ppt_y</p:attrName>
+                                        </p:attrNameLst>
+                                      </p:cBhvr>
+                                      <p:tavLst>
+                                        <p:tav tm="0">
+                                          <p:val>
+                                            <p:strVal val="ppt_y"/>
+                                          </p:val>
+                                        </p:tav>
+                                        <p:tav tm="100000">
+                                          <p:val>
+                                            <p:strVal val="1+ppt_h/2"/>
+                                          </p:val>
+                                        </p:tav>
+                                      </p:tavLst>
+                                    </p:anim>
+                                    <p:set>
+                                      <p:cBhvr>
+                                        <p:cTn id="38" dur="1" fill="hold">
+                                          <p:stCondLst>
+                                            <p:cond delay="499"/>
+                                          </p:stCondLst>
+                                        </p:cTn>
+                                        <p:tgtEl>
+                                          <p:spTgt spid="6"/>
+                                        </p:tgtEl>
+                                        <p:attrNameLst>
+                                          <p:attrName>style.visibility</p:attrName>
+                                        </p:attrNameLst>
+                                      </p:cBhvr>
+                                      <p:to>
+                                        <p:strVal val="hidden"/>
+                                      </p:to>
+                                    </p:set>
+                                  </p:childTnLst>
+                                </p:cTn>
+                              </p:par>
+                            </p:childTnLst>
+                          </p:cTn>
+                        </p:par>
+                      </p:childTnLst>
+                    </p:cTn>
+                  </p:par>
+                  <p:par>
+                    <p:cTn id="39" fill="hold">
+                      <p:stCondLst>
+                        <p:cond delay="indefinite"/>
+                      </p:stCondLst>
+                      <p:childTnLst>
+                        <p:par>
+                          <p:cTn id="40" fill="hold">
+                            <p:stCondLst>
+                              <p:cond delay="0"/>
+                            </p:stCondLst>
+                            <p:childTnLst>
+                              <p:par>
+                                <p:cTn id="41" presetID="2" presetClass="entr" presetSubtype="4" fill="hold" nodeType="clickEffect">
+                                  <p:stCondLst>
+                                    <p:cond delay="0"/>
+                                  </p:stCondLst>
+                                  <p:childTnLst>
+                                    <p:set>
+                                      <p:cBhvr>
+                                        <p:cTn id="42" dur="1" fill="hold">
+                                          <p:stCondLst>
+                                            <p:cond delay="0"/>
+                                          </p:stCondLst>
+                                        </p:cTn>
+                                        <p:tgtEl>
+                                          <p:spTgt spid="7"/>
+                                        </p:tgtEl>
+                                        <p:attrNameLst>
+                                          <p:attrName>style.visibility</p:attrName>
+                                        </p:attrNameLst>
+                                      </p:cBhvr>
+                                      <p:to>
+                                        <p:strVal val="visible"/>
+                                      </p:to>
+                                    </p:set>
+                                    <p:anim calcmode="lin" valueType="num">
+                                      <p:cBhvr additive="base">
+                                        <p:cTn id="43" dur="500" fill="hold"/>
+                                        <p:tgtEl>
+                                          <p:spTgt spid="7"/>
+                                        </p:tgtEl>
+                                        <p:attrNameLst>
+                                          <p:attrName>ppt_x</p:attrName>
+                                        </p:attrNameLst>
+                                      </p:cBhvr>
+                                      <p:tavLst>
+                                        <p:tav tm="0">
+                                          <p:val>
+                                            <p:strVal val="#ppt_x"/>
+                                          </p:val>
+                                        </p:tav>
+                                        <p:tav tm="100000">
+                                          <p:val>
+                                            <p:strVal val="#ppt_x"/>
+                                          </p:val>
+                                        </p:tav>
+                                      </p:tavLst>
+                                    </p:anim>
+                                    <p:anim calcmode="lin" valueType="num">
+                                      <p:cBhvr additive="base">
+                                        <p:cTn id="44" dur="500" fill="hold"/>
+                                        <p:tgtEl>
+                                          <p:spTgt spid="7"/>
+                                        </p:tgtEl>
+                                        <p:attrNameLst>
+                                          <p:attrName>ppt_y</p:attrName>
+                                        </p:attrNameLst>
+                                      </p:cBhvr>
+                                      <p:tavLst>
+                                        <p:tav tm="0">
+                                          <p:val>
+                                            <p:strVal val="1+#ppt_h/2"/>
+                                          </p:val>
+                                        </p:tav>
+                                        <p:tav tm="100000">
+                                          <p:val>
+                                            <p:strVal val="#ppt_y"/>
+                                          </p:val>
+                                        </p:tav>
+                                      </p:tavLst>
+                                    </p:anim>
+                                  </p:childTnLst>
+                                </p:cTn>
+                              </p:par>
+                            </p:childTnLst>
+                          </p:cTn>
+                        </p:par>
+                      </p:childTnLst>
+                    </p:cTn>
+                  </p:par>
+                  <p:par>
+                    <p:cTn id="45" fill="hold">
+                      <p:stCondLst>
+                        <p:cond delay="indefinite"/>
+                      </p:stCondLst>
+                      <p:childTnLst>
+                        <p:par>
+                          <p:cTn id="46" fill="hold">
+                            <p:stCondLst>
+                              <p:cond delay="0"/>
+                            </p:stCondLst>
+                            <p:childTnLst>
+                              <p:par>
+                                <p:cTn id="47" presetID="2" presetClass="exit" presetSubtype="4" fill="hold" nodeType="clickEffect">
+                                  <p:stCondLst>
+                                    <p:cond delay="0"/>
+                                  </p:stCondLst>
+                                  <p:childTnLst>
+                                    <p:anim calcmode="lin" valueType="num">
+                                      <p:cBhvr additive="base">
+                                        <p:cTn id="48" dur="500"/>
+                                        <p:tgtEl>
+                                          <p:spTgt spid="7"/>
+                                        </p:tgtEl>
+                                        <p:attrNameLst>
+                                          <p:attrName>ppt_x</p:attrName>
+                                        </p:attrNameLst>
+                                      </p:cBhvr>
+                                      <p:tavLst>
+                                        <p:tav tm="0">
+                                          <p:val>
+                                            <p:strVal val="ppt_x"/>
+                                          </p:val>
+                                        </p:tav>
+                                        <p:tav tm="100000">
+                                          <p:val>
+                                            <p:strVal val="ppt_x"/>
+                                          </p:val>
+                                        </p:tav>
+                                      </p:tavLst>
+                                    </p:anim>
+                                    <p:anim calcmode="lin" valueType="num">
+                                      <p:cBhvr additive="base">
+                                        <p:cTn id="49" dur="500"/>
+                                        <p:tgtEl>
+                                          <p:spTgt spid="7"/>
+                                        </p:tgtEl>
+                                        <p:attrNameLst>
+                                          <p:attrName>ppt_y</p:attrName>
+                                        </p:attrNameLst>
+                                      </p:cBhvr>
+                                      <p:tavLst>
+                                        <p:tav tm="0">
+                                          <p:val>
+                                            <p:strVal val="ppt_y"/>
+                                          </p:val>
+                                        </p:tav>
+                                        <p:tav tm="100000">
+                                          <p:val>
+                                            <p:strVal val="1+ppt_h/2"/>
+                                          </p:val>
+                                        </p:tav>
+                                      </p:tavLst>
+                                    </p:anim>
+                                    <p:set>
+                                      <p:cBhvr>
+                                        <p:cTn id="50" dur="1" fill="hold">
+                                          <p:stCondLst>
+                                            <p:cond delay="499"/>
+                                          </p:stCondLst>
+                                        </p:cTn>
+                                        <p:tgtEl>
+                                          <p:spTgt spid="7"/>
+                                        </p:tgtEl>
+                                        <p:attrNameLst>
+                                          <p:attrName>style.visibility</p:attrName>
+                                        </p:attrNameLst>
+                                      </p:cBhvr>
+                                      <p:to>
+                                        <p:strVal val="hidden"/>
+                                      </p:to>
+                                    </p:set>
+                                  </p:childTnLst>
+                                </p:cTn>
+                              </p:par>
+                            </p:childTnLst>
+                          </p:cTn>
+                        </p:par>
+                      </p:childTnLst>
+                    </p:cTn>
+                  </p:par>
+                </p:childTnLst>
+              </p:cTn>
+              <p:prevCondLst>
+                <p:cond evt="onPrev" delay="0">
+                  <p:tgtEl>
+                    <p:sldTgt/>
+                  </p:tgtEl>
+                </p:cond>
+              </p:prevCondLst>
+              <p:nextCondLst>
+                <p:cond evt="onNext" delay="0">
+                  <p:tgtEl>
+                    <p:sldTgt/>
+                  </p:tgtEl>
+                </p:cond>
+              </p:nextCondLst>
+            </p:seq>
+          </p:childTnLst>
+        </p:cTn>
+      </p:par>
+    </p:tnLst>
+  </p:timing>
+</p:sld>
+</file>
+
+<file path=ppt/slides/slide17.xml><?xml version="1.0" encoding="utf-8"?>
+<p:sld xmlns:a="http://schemas.openxmlformats.org/drawingml/2006/main" xmlns:r="http://schemas.openxmlformats.org/officeDocument/2006/relationships" xmlns:p="http://schemas.openxmlformats.org/presentationml/2006/main">
+  <p:cSld>
+    <p:spTree>
+      <p:nvGrpSpPr>
+        <p:cNvPr id="1" name=""/>
+        <p:cNvGrpSpPr/>
+        <p:nvPr/>
+      </p:nvGrpSpPr>
+      <p:grpSpPr>
+        <a:xfrm>
+          <a:off x="0" y="0"/>
+          <a:ext cx="0" cy="0"/>
+          <a:chOff x="0" y="0"/>
+          <a:chExt cx="0" cy="0"/>
+        </a:xfrm>
+      </p:grpSpPr>
+      <p:sp>
+        <p:nvSpPr>
+          <p:cNvPr id="2" name="Заголовок 1"/>
+          <p:cNvSpPr>
+            <a:spLocks noGrp="1"/>
+          </p:cNvSpPr>
+          <p:nvPr>
+            <p:ph type="title"/>
+          </p:nvPr>
+        </p:nvSpPr>
+        <p:spPr/>
+        <p:txBody>
+          <a:bodyPr/>
+          <a:lstStyle/>
+          <a:p>
+            <a:pPr algn="ctr"/>
+            <a:r>
               <a:rPr lang="ru-RU" dirty="0"/>
               <a:t>Дополнительные способы классификации</a:t>
             </a:r>
-            <a:endParaRPr lang="ru-RU" dirty="0"/>
           </a:p>
         </p:txBody>
       </p:sp>
@@ -4479,22 +6369,22 @@
               <a:buNone/>
             </a:pPr>
             <a:r>
-              <a:rPr lang="ru-RU" sz="2800" b="1" dirty="0"/>
-              <a:t>Алгоритмы обучения</a:t>
-            </a:r>
-          </a:p>
-          <a:p>
-            <a:pPr lvl="1"/>
-            <a:r>
-              <a:rPr lang="ru-RU" sz="2400" dirty="0"/>
-              <a:t>По входам</a:t>
-            </a:r>
-          </a:p>
-          <a:p>
-            <a:pPr lvl="1"/>
-            <a:r>
-              <a:rPr lang="ru-RU" sz="2400" dirty="0"/>
-              <a:t>По выходам</a:t>
+              <a:rPr lang="ru-RU" sz="2400" b="1" dirty="0"/>
+              <a:t>По классу синхронности</a:t>
+            </a:r>
+          </a:p>
+          <a:p>
+            <a:pPr marL="578358" lvl="1" indent="-285750"/>
+            <a:r>
+              <a:rPr lang="ru-RU" sz="2000" dirty="0"/>
+              <a:t>Синхронные</a:t>
+            </a:r>
+          </a:p>
+          <a:p>
+            <a:pPr marL="578358" lvl="1" indent="-285750"/>
+            <a:r>
+              <a:rPr lang="ru-RU" sz="2000" dirty="0"/>
+              <a:t>Асинхронные</a:t>
             </a:r>
           </a:p>
           <a:p>
@@ -4502,6 +6392,187 @@
               <a:buNone/>
             </a:pPr>
             <a:r>
+              <a:rPr lang="ru-RU" sz="2400" b="1" dirty="0"/>
+              <a:t>По характеру настройки синапсов</a:t>
+            </a:r>
+          </a:p>
+          <a:p>
+            <a:pPr marL="578358" lvl="1" indent="-285750"/>
+            <a:r>
+              <a:rPr lang="ru-RU" sz="2000" dirty="0"/>
+              <a:t>С фиксированными связями</a:t>
+            </a:r>
+          </a:p>
+          <a:p>
+            <a:pPr marL="578358" lvl="1" indent="-285750"/>
+            <a:r>
+              <a:rPr lang="ru-RU" sz="2000" dirty="0"/>
+              <a:t>С динамическими связями</a:t>
+            </a:r>
+          </a:p>
+          <a:p>
+            <a:pPr marL="0" indent="0">
+              <a:buNone/>
+            </a:pPr>
+            <a:r>
+              <a:rPr lang="ru-RU" sz="2400" b="1" dirty="0"/>
+              <a:t>По типу обучения</a:t>
+            </a:r>
+          </a:p>
+          <a:p>
+            <a:pPr lvl="1"/>
+            <a:r>
+              <a:rPr lang="ru-RU" sz="2000" dirty="0"/>
+              <a:t>С учителем</a:t>
+            </a:r>
+          </a:p>
+          <a:p>
+            <a:pPr lvl="1"/>
+            <a:r>
+              <a:rPr lang="ru-RU" sz="2000" dirty="0"/>
+              <a:t>Без учителя</a:t>
+            </a:r>
+          </a:p>
+          <a:p>
+            <a:pPr lvl="1"/>
+            <a:r>
+              <a:rPr lang="ru-RU" sz="2000" dirty="0"/>
+              <a:t>Смешанное обучение</a:t>
+            </a:r>
+          </a:p>
+          <a:p>
+            <a:endParaRPr lang="ru-RU" dirty="0"/>
+          </a:p>
+        </p:txBody>
+      </p:sp>
+      <p:sp>
+        <p:nvSpPr>
+          <p:cNvPr id="4" name="Номер слайда 3"/>
+          <p:cNvSpPr>
+            <a:spLocks noGrp="1"/>
+          </p:cNvSpPr>
+          <p:nvPr>
+            <p:ph type="sldNum" sz="quarter" idx="12"/>
+          </p:nvPr>
+        </p:nvSpPr>
+        <p:spPr/>
+        <p:txBody>
+          <a:bodyPr/>
+          <a:lstStyle/>
+          <a:p>
+            <a:fld id="{6113E31D-E2AB-40D1-8B51-AFA5AFEF393A}" type="slidenum">
+              <a:rPr lang="en-US" smtClean="0"/>
+              <a:t>17</a:t>
+            </a:fld>
+            <a:endParaRPr lang="en-US" dirty="0"/>
+          </a:p>
+        </p:txBody>
+      </p:sp>
+    </p:spTree>
+    <p:extLst>
+      <p:ext uri="{BB962C8B-B14F-4D97-AF65-F5344CB8AC3E}">
+        <p14:creationId xmlns:p14="http://schemas.microsoft.com/office/powerpoint/2010/main" val="3371793663"/>
+      </p:ext>
+    </p:extLst>
+  </p:cSld>
+  <p:clrMapOvr>
+    <a:masterClrMapping/>
+  </p:clrMapOvr>
+  <p:transition spd="slow">
+    <p:push dir="u"/>
+  </p:transition>
+  <p:timing>
+    <p:tnLst>
+      <p:par>
+        <p:cTn id="1" dur="indefinite" restart="never" nodeType="tmRoot"/>
+      </p:par>
+    </p:tnLst>
+  </p:timing>
+</p:sld>
+</file>
+
+<file path=ppt/slides/slide18.xml><?xml version="1.0" encoding="utf-8"?>
+<p:sld xmlns:a="http://schemas.openxmlformats.org/drawingml/2006/main" xmlns:r="http://schemas.openxmlformats.org/officeDocument/2006/relationships" xmlns:p="http://schemas.openxmlformats.org/presentationml/2006/main">
+  <p:cSld>
+    <p:spTree>
+      <p:nvGrpSpPr>
+        <p:cNvPr id="1" name=""/>
+        <p:cNvGrpSpPr/>
+        <p:nvPr/>
+      </p:nvGrpSpPr>
+      <p:grpSpPr>
+        <a:xfrm>
+          <a:off x="0" y="0"/>
+          <a:ext cx="0" cy="0"/>
+          <a:chOff x="0" y="0"/>
+          <a:chExt cx="0" cy="0"/>
+        </a:xfrm>
+      </p:grpSpPr>
+      <p:sp>
+        <p:nvSpPr>
+          <p:cNvPr id="2" name="Заголовок 1"/>
+          <p:cNvSpPr>
+            <a:spLocks noGrp="1"/>
+          </p:cNvSpPr>
+          <p:nvPr>
+            <p:ph type="title"/>
+          </p:nvPr>
+        </p:nvSpPr>
+        <p:spPr/>
+        <p:txBody>
+          <a:bodyPr/>
+          <a:lstStyle/>
+          <a:p>
+            <a:pPr algn="ctr"/>
+            <a:r>
+              <a:rPr lang="ru-RU" dirty="0"/>
+              <a:t>Дополнительные способы классификации</a:t>
+            </a:r>
+          </a:p>
+        </p:txBody>
+      </p:sp>
+      <p:sp>
+        <p:nvSpPr>
+          <p:cNvPr id="3" name="Объект 2"/>
+          <p:cNvSpPr>
+            <a:spLocks noGrp="1"/>
+          </p:cNvSpPr>
+          <p:nvPr>
+            <p:ph idx="1"/>
+          </p:nvPr>
+        </p:nvSpPr>
+        <p:spPr/>
+        <p:txBody>
+          <a:bodyPr/>
+          <a:lstStyle/>
+          <a:p>
+            <a:pPr marL="0" indent="0">
+              <a:buNone/>
+            </a:pPr>
+            <a:r>
+              <a:rPr lang="ru-RU" sz="2800" b="1" dirty="0"/>
+              <a:t>Алгоритмы обучения</a:t>
+            </a:r>
+          </a:p>
+          <a:p>
+            <a:pPr lvl="1"/>
+            <a:r>
+              <a:rPr lang="ru-RU" sz="2400" dirty="0"/>
+              <a:t>По входам</a:t>
+            </a:r>
+          </a:p>
+          <a:p>
+            <a:pPr lvl="1"/>
+            <a:r>
+              <a:rPr lang="ru-RU" sz="2400" dirty="0"/>
+              <a:t>По выходам</a:t>
+            </a:r>
+          </a:p>
+          <a:p>
+            <a:pPr marL="0" indent="0">
+              <a:buNone/>
+            </a:pPr>
+            <a:r>
               <a:rPr lang="ru-RU" sz="2800" b="1" dirty="0"/>
               <a:t>Способы предъявления примеров</a:t>
             </a:r>
@@ -4522,6 +6593,29 @@
           </a:p>
           <a:p>
             <a:endParaRPr lang="ru-RU" dirty="0"/>
+          </a:p>
+        </p:txBody>
+      </p:sp>
+      <p:sp>
+        <p:nvSpPr>
+          <p:cNvPr id="4" name="Номер слайда 3"/>
+          <p:cNvSpPr>
+            <a:spLocks noGrp="1"/>
+          </p:cNvSpPr>
+          <p:nvPr>
+            <p:ph type="sldNum" sz="quarter" idx="12"/>
+          </p:nvPr>
+        </p:nvSpPr>
+        <p:spPr/>
+        <p:txBody>
+          <a:bodyPr/>
+          <a:lstStyle/>
+          <a:p>
+            <a:fld id="{6113E31D-E2AB-40D1-8B51-AFA5AFEF393A}" type="slidenum">
+              <a:rPr lang="en-US" smtClean="0"/>
+              <a:t>18</a:t>
+            </a:fld>
+            <a:endParaRPr lang="en-US" dirty="0"/>
           </a:p>
         </p:txBody>
       </p:sp>
@@ -4535,10 +6629,20 @@
   <p:clrMapOvr>
     <a:masterClrMapping/>
   </p:clrMapOvr>
+  <p:transition spd="slow">
+    <p:push dir="u"/>
+  </p:transition>
+  <p:timing>
+    <p:tnLst>
+      <p:par>
+        <p:cTn id="1" dur="indefinite" restart="never" nodeType="tmRoot"/>
+      </p:par>
+    </p:tnLst>
+  </p:timing>
 </p:sld>
 </file>
 
-<file path=ppt/slides/slide16.xml><?xml version="1.0" encoding="utf-8"?>
+<file path=ppt/slides/slide19.xml><?xml version="1.0" encoding="utf-8"?>
 <p:sld xmlns:a="http://schemas.openxmlformats.org/drawingml/2006/main" xmlns:r="http://schemas.openxmlformats.org/officeDocument/2006/relationships" xmlns:p="http://schemas.openxmlformats.org/presentationml/2006/main">
   <p:cSld>
     <p:spTree>
@@ -4596,6 +6700,29 @@
           </a:extLst>
         </p:spPr>
       </p:pic>
+      <p:sp>
+        <p:nvSpPr>
+          <p:cNvPr id="2" name="Номер слайда 1"/>
+          <p:cNvSpPr>
+            <a:spLocks noGrp="1"/>
+          </p:cNvSpPr>
+          <p:nvPr>
+            <p:ph type="sldNum" sz="quarter" idx="12"/>
+          </p:nvPr>
+        </p:nvSpPr>
+        <p:spPr/>
+        <p:txBody>
+          <a:bodyPr/>
+          <a:lstStyle/>
+          <a:p>
+            <a:fld id="{6113E31D-E2AB-40D1-8B51-AFA5AFEF393A}" type="slidenum">
+              <a:rPr lang="en-US" smtClean="0"/>
+              <a:t>19</a:t>
+            </a:fld>
+            <a:endParaRPr lang="en-US" dirty="0"/>
+          </a:p>
+        </p:txBody>
+      </p:sp>
     </p:spTree>
     <p:extLst>
       <p:ext uri="{BB962C8B-B14F-4D97-AF65-F5344CB8AC3E}">
@@ -4606,10 +6733,192 @@
   <p:clrMapOvr>
     <a:masterClrMapping/>
   </p:clrMapOvr>
+  <p:transition spd="slow">
+    <p:push dir="u"/>
+  </p:transition>
+  <p:timing>
+    <p:tnLst>
+      <p:par>
+        <p:cTn id="1" dur="indefinite" restart="never" nodeType="tmRoot"/>
+      </p:par>
+    </p:tnLst>
+  </p:timing>
 </p:sld>
 </file>
 
-<file path=ppt/slides/slide17.xml><?xml version="1.0" encoding="utf-8"?>
+<file path=ppt/slides/slide2.xml><?xml version="1.0" encoding="utf-8"?>
+<p:sld xmlns:a="http://schemas.openxmlformats.org/drawingml/2006/main" xmlns:r="http://schemas.openxmlformats.org/officeDocument/2006/relationships" xmlns:p="http://schemas.openxmlformats.org/presentationml/2006/main">
+  <p:cSld>
+    <p:spTree>
+      <p:nvGrpSpPr>
+        <p:cNvPr id="1" name=""/>
+        <p:cNvGrpSpPr/>
+        <p:nvPr/>
+      </p:nvGrpSpPr>
+      <p:grpSpPr>
+        <a:xfrm>
+          <a:off x="0" y="0"/>
+          <a:ext cx="0" cy="0"/>
+          <a:chOff x="0" y="0"/>
+          <a:chExt cx="0" cy="0"/>
+        </a:xfrm>
+      </p:grpSpPr>
+      <p:sp>
+        <p:nvSpPr>
+          <p:cNvPr id="2" name="Заголовок 1"/>
+          <p:cNvSpPr>
+            <a:spLocks noGrp="1"/>
+          </p:cNvSpPr>
+          <p:nvPr>
+            <p:ph type="title"/>
+          </p:nvPr>
+        </p:nvSpPr>
+        <p:spPr/>
+        <p:txBody>
+          <a:bodyPr>
+            <a:normAutofit/>
+          </a:bodyPr>
+          <a:lstStyle/>
+          <a:p>
+            <a:pPr algn="ctr"/>
+            <a:r>
+              <a:rPr lang="ru-RU" sz="6000" dirty="0"/>
+              <a:t>Моделирование</a:t>
+            </a:r>
+          </a:p>
+        </p:txBody>
+      </p:sp>
+      <p:pic>
+        <p:nvPicPr>
+          <p:cNvPr id="1026" name="Picture 2" descr="020903security01.gif (450×377)"/>
+          <p:cNvPicPr>
+            <a:picLocks noGrp="1" noChangeAspect="1" noChangeArrowheads="1"/>
+          </p:cNvPicPr>
+          <p:nvPr>
+            <p:ph idx="1"/>
+          </p:nvPr>
+        </p:nvPicPr>
+        <p:blipFill>
+          <a:blip r:embed="rId3">
+            <a:extLst>
+              <a:ext uri="{28A0092B-C50C-407E-A947-70E740481C1C}">
+                <a14:useLocalDpi xmlns:a14="http://schemas.microsoft.com/office/drawing/2010/main" val="0"/>
+              </a:ext>
+            </a:extLst>
+          </a:blip>
+          <a:srcRect/>
+          <a:stretch>
+            <a:fillRect/>
+          </a:stretch>
+        </p:blipFill>
+        <p:spPr bwMode="auto">
+          <a:xfrm>
+            <a:off x="1583787" y="1986662"/>
+            <a:ext cx="4286250" cy="3590925"/>
+          </a:xfrm>
+          <a:prstGeom prst="rect">
+            <a:avLst/>
+          </a:prstGeom>
+          <a:noFill/>
+          <a:extLst>
+            <a:ext uri="{909E8E84-426E-40DD-AFC4-6F175D3DCCD1}">
+              <a14:hiddenFill xmlns:a14="http://schemas.microsoft.com/office/drawing/2010/main">
+                <a:solidFill>
+                  <a:srgbClr val="FFFFFF"/>
+                </a:solidFill>
+              </a14:hiddenFill>
+            </a:ext>
+          </a:extLst>
+        </p:spPr>
+      </p:pic>
+      <p:pic>
+        <p:nvPicPr>
+          <p:cNvPr id="1028" name="Picture 4" descr="13.jpg (600×767)"/>
+          <p:cNvPicPr>
+            <a:picLocks noChangeAspect="1" noChangeArrowheads="1"/>
+          </p:cNvPicPr>
+          <p:nvPr/>
+        </p:nvPicPr>
+        <p:blipFill>
+          <a:blip r:embed="rId4">
+            <a:extLst>
+              <a:ext uri="{28A0092B-C50C-407E-A947-70E740481C1C}">
+                <a14:useLocalDpi xmlns:a14="http://schemas.microsoft.com/office/drawing/2010/main" val="0"/>
+              </a:ext>
+            </a:extLst>
+          </a:blip>
+          <a:srcRect/>
+          <a:stretch>
+            <a:fillRect/>
+          </a:stretch>
+        </p:blipFill>
+        <p:spPr bwMode="auto">
+          <a:xfrm>
+            <a:off x="7437882" y="1835660"/>
+            <a:ext cx="3449351" cy="4409943"/>
+          </a:xfrm>
+          <a:prstGeom prst="rect">
+            <a:avLst/>
+          </a:prstGeom>
+          <a:noFill/>
+          <a:extLst>
+            <a:ext uri="{909E8E84-426E-40DD-AFC4-6F175D3DCCD1}">
+              <a14:hiddenFill xmlns:a14="http://schemas.microsoft.com/office/drawing/2010/main">
+                <a:solidFill>
+                  <a:srgbClr val="FFFFFF"/>
+                </a:solidFill>
+              </a14:hiddenFill>
+            </a:ext>
+          </a:extLst>
+        </p:spPr>
+      </p:pic>
+      <p:sp>
+        <p:nvSpPr>
+          <p:cNvPr id="3" name="Номер слайда 2"/>
+          <p:cNvSpPr>
+            <a:spLocks noGrp="1"/>
+          </p:cNvSpPr>
+          <p:nvPr>
+            <p:ph type="sldNum" sz="quarter" idx="12"/>
+          </p:nvPr>
+        </p:nvSpPr>
+        <p:spPr/>
+        <p:txBody>
+          <a:bodyPr/>
+          <a:lstStyle/>
+          <a:p>
+            <a:fld id="{6113E31D-E2AB-40D1-8B51-AFA5AFEF393A}" type="slidenum">
+              <a:rPr lang="en-US" smtClean="0"/>
+              <a:t>2</a:t>
+            </a:fld>
+            <a:endParaRPr lang="en-US" dirty="0"/>
+          </a:p>
+        </p:txBody>
+      </p:sp>
+    </p:spTree>
+    <p:extLst>
+      <p:ext uri="{BB962C8B-B14F-4D97-AF65-F5344CB8AC3E}">
+        <p14:creationId xmlns:p14="http://schemas.microsoft.com/office/powerpoint/2010/main" val="2112231007"/>
+      </p:ext>
+    </p:extLst>
+  </p:cSld>
+  <p:clrMapOvr>
+    <a:masterClrMapping/>
+  </p:clrMapOvr>
+  <p:transition spd="slow">
+    <p:push dir="u"/>
+  </p:transition>
+  <p:timing>
+    <p:tnLst>
+      <p:par>
+        <p:cTn id="1" dur="indefinite" restart="never" nodeType="tmRoot"/>
+      </p:par>
+    </p:tnLst>
+  </p:timing>
+</p:sld>
+</file>
+
+<file path=ppt/slides/slide20.xml><?xml version="1.0" encoding="utf-8"?>
 <p:sld xmlns:a="http://schemas.openxmlformats.org/drawingml/2006/main" xmlns:r="http://schemas.openxmlformats.org/officeDocument/2006/relationships" xmlns:p="http://schemas.openxmlformats.org/presentationml/2006/main">
   <p:cSld>
     <p:spTree>
@@ -5060,6 +7369,29 @@
           </a:prstGeom>
         </p:spPr>
       </p:pic>
+      <p:sp>
+        <p:nvSpPr>
+          <p:cNvPr id="3" name="Номер слайда 2"/>
+          <p:cNvSpPr>
+            <a:spLocks noGrp="1"/>
+          </p:cNvSpPr>
+          <p:nvPr>
+            <p:ph type="sldNum" sz="quarter" idx="12"/>
+          </p:nvPr>
+        </p:nvSpPr>
+        <p:spPr/>
+        <p:txBody>
+          <a:bodyPr/>
+          <a:lstStyle/>
+          <a:p>
+            <a:fld id="{6113E31D-E2AB-40D1-8B51-AFA5AFEF393A}" type="slidenum">
+              <a:rPr lang="en-US" smtClean="0"/>
+              <a:t>20</a:t>
+            </a:fld>
+            <a:endParaRPr lang="en-US" dirty="0"/>
+          </a:p>
+        </p:txBody>
+      </p:sp>
     </p:spTree>
     <p:extLst>
       <p:ext uri="{BB962C8B-B14F-4D97-AF65-F5344CB8AC3E}">
@@ -5070,10 +7402,20 @@
   <p:clrMapOvr>
     <a:masterClrMapping/>
   </p:clrMapOvr>
+  <p:transition spd="slow">
+    <p:push dir="u"/>
+  </p:transition>
+  <p:timing>
+    <p:tnLst>
+      <p:par>
+        <p:cTn id="1" dur="indefinite" restart="never" nodeType="tmRoot"/>
+      </p:par>
+    </p:tnLst>
+  </p:timing>
 </p:sld>
 </file>
 
-<file path=ppt/slides/slide18.xml><?xml version="1.0" encoding="utf-8"?>
+<file path=ppt/slides/slide21.xml><?xml version="1.0" encoding="utf-8"?>
 <p:sld xmlns:a="http://schemas.openxmlformats.org/drawingml/2006/main" xmlns:r="http://schemas.openxmlformats.org/officeDocument/2006/relationships" xmlns:p="http://schemas.openxmlformats.org/presentationml/2006/main">
   <p:cSld>
     <p:spTree>
@@ -5497,6 +7839,29 @@
           </p:style>
         </p:cxnSp>
       </p:grpSp>
+      <p:sp>
+        <p:nvSpPr>
+          <p:cNvPr id="3" name="Номер слайда 2"/>
+          <p:cNvSpPr>
+            <a:spLocks noGrp="1"/>
+          </p:cNvSpPr>
+          <p:nvPr>
+            <p:ph type="sldNum" sz="quarter" idx="12"/>
+          </p:nvPr>
+        </p:nvSpPr>
+        <p:spPr/>
+        <p:txBody>
+          <a:bodyPr/>
+          <a:lstStyle/>
+          <a:p>
+            <a:fld id="{6113E31D-E2AB-40D1-8B51-AFA5AFEF393A}" type="slidenum">
+              <a:rPr lang="en-US" smtClean="0"/>
+              <a:t>21</a:t>
+            </a:fld>
+            <a:endParaRPr lang="en-US" dirty="0"/>
+          </a:p>
+        </p:txBody>
+      </p:sp>
     </p:spTree>
     <p:extLst>
       <p:ext uri="{BB962C8B-B14F-4D97-AF65-F5344CB8AC3E}">
@@ -5507,10 +7872,20 @@
   <p:clrMapOvr>
     <a:masterClrMapping/>
   </p:clrMapOvr>
+  <p:transition spd="slow">
+    <p:push dir="u"/>
+  </p:transition>
+  <p:timing>
+    <p:tnLst>
+      <p:par>
+        <p:cTn id="1" dur="indefinite" restart="never" nodeType="tmRoot"/>
+      </p:par>
+    </p:tnLst>
+  </p:timing>
 </p:sld>
 </file>
 
-<file path=ppt/slides/slide19.xml><?xml version="1.0" encoding="utf-8"?>
+<file path=ppt/slides/slide22.xml><?xml version="1.0" encoding="utf-8"?>
 <p:sld xmlns:a="http://schemas.openxmlformats.org/drawingml/2006/main" xmlns:r="http://schemas.openxmlformats.org/officeDocument/2006/relationships" xmlns:p="http://schemas.openxmlformats.org/presentationml/2006/main">
   <p:cSld>
     <p:spTree>
@@ -5936,6 +8311,29 @@
           </p:style>
         </p:cxnSp>
       </p:grpSp>
+      <p:sp>
+        <p:nvSpPr>
+          <p:cNvPr id="3" name="Номер слайда 2"/>
+          <p:cNvSpPr>
+            <a:spLocks noGrp="1"/>
+          </p:cNvSpPr>
+          <p:nvPr>
+            <p:ph type="sldNum" sz="quarter" idx="12"/>
+          </p:nvPr>
+        </p:nvSpPr>
+        <p:spPr/>
+        <p:txBody>
+          <a:bodyPr/>
+          <a:lstStyle/>
+          <a:p>
+            <a:fld id="{6113E31D-E2AB-40D1-8B51-AFA5AFEF393A}" type="slidenum">
+              <a:rPr lang="en-US" smtClean="0"/>
+              <a:t>22</a:t>
+            </a:fld>
+            <a:endParaRPr lang="en-US" dirty="0"/>
+          </a:p>
+        </p:txBody>
+      </p:sp>
     </p:spTree>
     <p:extLst>
       <p:ext uri="{BB962C8B-B14F-4D97-AF65-F5344CB8AC3E}">
@@ -5946,149 +8344,20 @@
   <p:clrMapOvr>
     <a:masterClrMapping/>
   </p:clrMapOvr>
+  <p:transition spd="slow">
+    <p:push dir="u"/>
+  </p:transition>
+  <p:timing>
+    <p:tnLst>
+      <p:par>
+        <p:cTn id="1" dur="indefinite" restart="never" nodeType="tmRoot"/>
+      </p:par>
+    </p:tnLst>
+  </p:timing>
 </p:sld>
 </file>
 
-<file path=ppt/slides/slide2.xml><?xml version="1.0" encoding="utf-8"?>
-<p:sld xmlns:a="http://schemas.openxmlformats.org/drawingml/2006/main" xmlns:r="http://schemas.openxmlformats.org/officeDocument/2006/relationships" xmlns:p="http://schemas.openxmlformats.org/presentationml/2006/main">
-  <p:cSld>
-    <p:spTree>
-      <p:nvGrpSpPr>
-        <p:cNvPr id="1" name=""/>
-        <p:cNvGrpSpPr/>
-        <p:nvPr/>
-      </p:nvGrpSpPr>
-      <p:grpSpPr>
-        <a:xfrm>
-          <a:off x="0" y="0"/>
-          <a:ext cx="0" cy="0"/>
-          <a:chOff x="0" y="0"/>
-          <a:chExt cx="0" cy="0"/>
-        </a:xfrm>
-      </p:grpSpPr>
-      <p:sp>
-        <p:nvSpPr>
-          <p:cNvPr id="2" name="Заголовок 1"/>
-          <p:cNvSpPr>
-            <a:spLocks noGrp="1"/>
-          </p:cNvSpPr>
-          <p:nvPr>
-            <p:ph type="title"/>
-          </p:nvPr>
-        </p:nvSpPr>
-        <p:spPr/>
-        <p:txBody>
-          <a:bodyPr>
-            <a:normAutofit/>
-          </a:bodyPr>
-          <a:lstStyle/>
-          <a:p>
-            <a:pPr algn="ctr"/>
-            <a:r>
-              <a:rPr lang="ru-RU" sz="6000" dirty="0"/>
-              <a:t>Моделирование</a:t>
-            </a:r>
-          </a:p>
-        </p:txBody>
-      </p:sp>
-      <p:pic>
-        <p:nvPicPr>
-          <p:cNvPr id="1026" name="Picture 2" descr="020903security01.gif (450×377)"/>
-          <p:cNvPicPr>
-            <a:picLocks noGrp="1" noChangeAspect="1" noChangeArrowheads="1"/>
-          </p:cNvPicPr>
-          <p:nvPr>
-            <p:ph idx="1"/>
-          </p:nvPr>
-        </p:nvPicPr>
-        <p:blipFill>
-          <a:blip r:embed="rId2">
-            <a:extLst>
-              <a:ext uri="{28A0092B-C50C-407E-A947-70E740481C1C}">
-                <a14:useLocalDpi xmlns:a14="http://schemas.microsoft.com/office/drawing/2010/main" val="0"/>
-              </a:ext>
-            </a:extLst>
-          </a:blip>
-          <a:srcRect/>
-          <a:stretch>
-            <a:fillRect/>
-          </a:stretch>
-        </p:blipFill>
-        <p:spPr bwMode="auto">
-          <a:xfrm>
-            <a:off x="1583787" y="1986662"/>
-            <a:ext cx="4286250" cy="3590925"/>
-          </a:xfrm>
-          <a:prstGeom prst="rect">
-            <a:avLst/>
-          </a:prstGeom>
-          <a:noFill/>
-          <a:extLst>
-            <a:ext uri="{909E8E84-426E-40DD-AFC4-6F175D3DCCD1}">
-              <a14:hiddenFill xmlns:a14="http://schemas.microsoft.com/office/drawing/2010/main">
-                <a:solidFill>
-                  <a:srgbClr val="FFFFFF"/>
-                </a:solidFill>
-              </a14:hiddenFill>
-            </a:ext>
-          </a:extLst>
-        </p:spPr>
-      </p:pic>
-      <p:pic>
-        <p:nvPicPr>
-          <p:cNvPr id="1028" name="Picture 4" descr="13.jpg (600×767)"/>
-          <p:cNvPicPr>
-            <a:picLocks noChangeAspect="1" noChangeArrowheads="1"/>
-          </p:cNvPicPr>
-          <p:nvPr/>
-        </p:nvPicPr>
-        <p:blipFill>
-          <a:blip r:embed="rId3">
-            <a:extLst>
-              <a:ext uri="{28A0092B-C50C-407E-A947-70E740481C1C}">
-                <a14:useLocalDpi xmlns:a14="http://schemas.microsoft.com/office/drawing/2010/main" val="0"/>
-              </a:ext>
-            </a:extLst>
-          </a:blip>
-          <a:srcRect/>
-          <a:stretch>
-            <a:fillRect/>
-          </a:stretch>
-        </p:blipFill>
-        <p:spPr bwMode="auto">
-          <a:xfrm>
-            <a:off x="7437882" y="1835660"/>
-            <a:ext cx="3449351" cy="4409943"/>
-          </a:xfrm>
-          <a:prstGeom prst="rect">
-            <a:avLst/>
-          </a:prstGeom>
-          <a:noFill/>
-          <a:extLst>
-            <a:ext uri="{909E8E84-426E-40DD-AFC4-6F175D3DCCD1}">
-              <a14:hiddenFill xmlns:a14="http://schemas.microsoft.com/office/drawing/2010/main">
-                <a:solidFill>
-                  <a:srgbClr val="FFFFFF"/>
-                </a:solidFill>
-              </a14:hiddenFill>
-            </a:ext>
-          </a:extLst>
-        </p:spPr>
-      </p:pic>
-    </p:spTree>
-    <p:extLst>
-      <p:ext uri="{BB962C8B-B14F-4D97-AF65-F5344CB8AC3E}">
-        <p14:creationId xmlns:p14="http://schemas.microsoft.com/office/powerpoint/2010/main" val="2112231007"/>
-      </p:ext>
-    </p:extLst>
-  </p:cSld>
-  <p:clrMapOvr>
-    <a:masterClrMapping/>
-  </p:clrMapOvr>
-</p:sld>
-</file>
-
-<file path=ppt/slides/slide20.xml><?xml version="1.0" encoding="utf-8"?>
+<file path=ppt/slides/slide23.xml><?xml version="1.0" encoding="utf-8"?>
 <p:sld xmlns:a="http://schemas.openxmlformats.org/drawingml/2006/main" xmlns:r="http://schemas.openxmlformats.org/officeDocument/2006/relationships" xmlns:p="http://schemas.openxmlformats.org/presentationml/2006/main">
   <p:cSld>
     <p:spTree>
@@ -6183,6 +8452,29 @@
           </a:prstGeom>
         </p:spPr>
       </p:pic>
+      <p:sp>
+        <p:nvSpPr>
+          <p:cNvPr id="3" name="Номер слайда 2"/>
+          <p:cNvSpPr>
+            <a:spLocks noGrp="1"/>
+          </p:cNvSpPr>
+          <p:nvPr>
+            <p:ph type="sldNum" sz="quarter" idx="12"/>
+          </p:nvPr>
+        </p:nvSpPr>
+        <p:spPr/>
+        <p:txBody>
+          <a:bodyPr/>
+          <a:lstStyle/>
+          <a:p>
+            <a:fld id="{6113E31D-E2AB-40D1-8B51-AFA5AFEF393A}" type="slidenum">
+              <a:rPr lang="en-US" smtClean="0"/>
+              <a:t>23</a:t>
+            </a:fld>
+            <a:endParaRPr lang="en-US" dirty="0"/>
+          </a:p>
+        </p:txBody>
+      </p:sp>
     </p:spTree>
     <p:extLst>
       <p:ext uri="{BB962C8B-B14F-4D97-AF65-F5344CB8AC3E}">
@@ -6193,10 +8485,20 @@
   <p:clrMapOvr>
     <a:masterClrMapping/>
   </p:clrMapOvr>
+  <p:transition spd="slow">
+    <p:push dir="u"/>
+  </p:transition>
+  <p:timing>
+    <p:tnLst>
+      <p:par>
+        <p:cTn id="1" dur="indefinite" restart="never" nodeType="tmRoot"/>
+      </p:par>
+    </p:tnLst>
+  </p:timing>
 </p:sld>
 </file>
 
-<file path=ppt/slides/slide21.xml><?xml version="1.0" encoding="utf-8"?>
+<file path=ppt/slides/slide24.xml><?xml version="1.0" encoding="utf-8"?>
 <p:sld xmlns:a="http://schemas.openxmlformats.org/drawingml/2006/main" xmlns:r="http://schemas.openxmlformats.org/officeDocument/2006/relationships" xmlns:p="http://schemas.openxmlformats.org/presentationml/2006/main">
   <p:cSld>
     <p:spTree>
@@ -6327,6 +8629,29 @@
           </a:extLst>
         </p:spPr>
       </p:pic>
+      <p:sp>
+        <p:nvSpPr>
+          <p:cNvPr id="3" name="Номер слайда 2"/>
+          <p:cNvSpPr>
+            <a:spLocks noGrp="1"/>
+          </p:cNvSpPr>
+          <p:nvPr>
+            <p:ph type="sldNum" sz="quarter" idx="12"/>
+          </p:nvPr>
+        </p:nvSpPr>
+        <p:spPr/>
+        <p:txBody>
+          <a:bodyPr/>
+          <a:lstStyle/>
+          <a:p>
+            <a:fld id="{6113E31D-E2AB-40D1-8B51-AFA5AFEF393A}" type="slidenum">
+              <a:rPr lang="en-US" smtClean="0"/>
+              <a:t>24</a:t>
+            </a:fld>
+            <a:endParaRPr lang="en-US" dirty="0"/>
+          </a:p>
+        </p:txBody>
+      </p:sp>
     </p:spTree>
     <p:extLst>
       <p:ext uri="{BB962C8B-B14F-4D97-AF65-F5344CB8AC3E}">
@@ -6337,10 +8662,20 @@
   <p:clrMapOvr>
     <a:masterClrMapping/>
   </p:clrMapOvr>
+  <p:transition spd="slow">
+    <p:push dir="u"/>
+  </p:transition>
+  <p:timing>
+    <p:tnLst>
+      <p:par>
+        <p:cTn id="1" dur="indefinite" restart="never" nodeType="tmRoot"/>
+      </p:par>
+    </p:tnLst>
+  </p:timing>
 </p:sld>
 </file>
 
-<file path=ppt/slides/slide22.xml><?xml version="1.0" encoding="utf-8"?>
+<file path=ppt/slides/slide25.xml><?xml version="1.0" encoding="utf-8"?>
 <p:sld xmlns:a="http://schemas.openxmlformats.org/drawingml/2006/main" xmlns:r="http://schemas.openxmlformats.org/officeDocument/2006/relationships" xmlns:p="http://schemas.openxmlformats.org/presentationml/2006/main">
   <p:cSld>
     <p:spTree>
@@ -6446,6 +8781,29 @@
           </a:p>
         </p:txBody>
       </p:sp>
+      <p:sp>
+        <p:nvSpPr>
+          <p:cNvPr id="4" name="Номер слайда 3"/>
+          <p:cNvSpPr>
+            <a:spLocks noGrp="1"/>
+          </p:cNvSpPr>
+          <p:nvPr>
+            <p:ph type="sldNum" sz="quarter" idx="12"/>
+          </p:nvPr>
+        </p:nvSpPr>
+        <p:spPr/>
+        <p:txBody>
+          <a:bodyPr/>
+          <a:lstStyle/>
+          <a:p>
+            <a:fld id="{6113E31D-E2AB-40D1-8B51-AFA5AFEF393A}" type="slidenum">
+              <a:rPr lang="en-US" smtClean="0"/>
+              <a:t>25</a:t>
+            </a:fld>
+            <a:endParaRPr lang="en-US" dirty="0"/>
+          </a:p>
+        </p:txBody>
+      </p:sp>
     </p:spTree>
     <p:extLst>
       <p:ext uri="{BB962C8B-B14F-4D97-AF65-F5344CB8AC3E}">
@@ -6456,10 +8814,20 @@
   <p:clrMapOvr>
     <a:masterClrMapping/>
   </p:clrMapOvr>
+  <p:transition spd="slow">
+    <p:push dir="u"/>
+  </p:transition>
+  <p:timing>
+    <p:tnLst>
+      <p:par>
+        <p:cTn id="1" dur="indefinite" restart="never" nodeType="tmRoot"/>
+      </p:par>
+    </p:tnLst>
+  </p:timing>
 </p:sld>
 </file>
 
-<file path=ppt/slides/slide23.xml><?xml version="1.0" encoding="utf-8"?>
+<file path=ppt/slides/slide26.xml><?xml version="1.0" encoding="utf-8"?>
 <p:sld xmlns:a="http://schemas.openxmlformats.org/drawingml/2006/main" xmlns:r="http://schemas.openxmlformats.org/officeDocument/2006/relationships" xmlns:p="http://schemas.openxmlformats.org/presentationml/2006/main">
   <p:cSld>
     <p:spTree>
@@ -6530,28 +8898,28 @@
                 <a:gridCol w="2514600">
                   <a:extLst>
                     <a:ext uri="{9D8B030D-6E8A-4147-A177-3AD203B41FA5}">
-                      <a16:colId xmlns:a16="http://schemas.microsoft.com/office/drawing/2014/main" val="3073798355"/>
+                      <a16:colId xmlns:a16="http://schemas.microsoft.com/office/drawing/2014/main" xmlns="" val="3073798355"/>
                     </a:ext>
                   </a:extLst>
                 </a:gridCol>
                 <a:gridCol w="2514600">
                   <a:extLst>
                     <a:ext uri="{9D8B030D-6E8A-4147-A177-3AD203B41FA5}">
-                      <a16:colId xmlns:a16="http://schemas.microsoft.com/office/drawing/2014/main" val="4281121433"/>
+                      <a16:colId xmlns:a16="http://schemas.microsoft.com/office/drawing/2014/main" xmlns="" val="4281121433"/>
                     </a:ext>
                   </a:extLst>
                 </a:gridCol>
                 <a:gridCol w="2514600">
                   <a:extLst>
                     <a:ext uri="{9D8B030D-6E8A-4147-A177-3AD203B41FA5}">
-                      <a16:colId xmlns:a16="http://schemas.microsoft.com/office/drawing/2014/main" val="1545316723"/>
+                      <a16:colId xmlns:a16="http://schemas.microsoft.com/office/drawing/2014/main" xmlns="" val="1545316723"/>
                     </a:ext>
                   </a:extLst>
                 </a:gridCol>
                 <a:gridCol w="2514600">
                   <a:extLst>
                     <a:ext uri="{9D8B030D-6E8A-4147-A177-3AD203B41FA5}">
-                      <a16:colId xmlns:a16="http://schemas.microsoft.com/office/drawing/2014/main" val="566118396"/>
+                      <a16:colId xmlns:a16="http://schemas.microsoft.com/office/drawing/2014/main" xmlns="" val="566118396"/>
                     </a:ext>
                   </a:extLst>
                 </a:gridCol>
@@ -6761,7 +9129,7 @@
                 </a:tc>
                 <a:extLst>
                   <a:ext uri="{0D108BD9-81ED-4DB2-BD59-A6C34878D82A}">
-                    <a16:rowId xmlns:a16="http://schemas.microsoft.com/office/drawing/2014/main" val="3484091250"/>
+                    <a16:rowId xmlns:a16="http://schemas.microsoft.com/office/drawing/2014/main" xmlns="" val="3484091250"/>
                   </a:ext>
                 </a:extLst>
               </a:tr>
@@ -6980,7 +9348,7 @@
                 </a:tc>
                 <a:extLst>
                   <a:ext uri="{0D108BD9-81ED-4DB2-BD59-A6C34878D82A}">
-                    <a16:rowId xmlns:a16="http://schemas.microsoft.com/office/drawing/2014/main" val="2872327682"/>
+                    <a16:rowId xmlns:a16="http://schemas.microsoft.com/office/drawing/2014/main" xmlns="" val="2872327682"/>
                   </a:ext>
                 </a:extLst>
               </a:tr>
@@ -7188,7 +9556,7 @@
                 </a:tc>
                 <a:extLst>
                   <a:ext uri="{0D108BD9-81ED-4DB2-BD59-A6C34878D82A}">
-                    <a16:rowId xmlns:a16="http://schemas.microsoft.com/office/drawing/2014/main" val="2406242016"/>
+                    <a16:rowId xmlns:a16="http://schemas.microsoft.com/office/drawing/2014/main" xmlns="" val="2406242016"/>
                   </a:ext>
                 </a:extLst>
               </a:tr>
@@ -7196,6 +9564,29 @@
           </a:graphicData>
         </a:graphic>
       </p:graphicFrame>
+      <p:sp>
+        <p:nvSpPr>
+          <p:cNvPr id="3" name="Номер слайда 2"/>
+          <p:cNvSpPr>
+            <a:spLocks noGrp="1"/>
+          </p:cNvSpPr>
+          <p:nvPr>
+            <p:ph type="sldNum" sz="quarter" idx="12"/>
+          </p:nvPr>
+        </p:nvSpPr>
+        <p:spPr/>
+        <p:txBody>
+          <a:bodyPr/>
+          <a:lstStyle/>
+          <a:p>
+            <a:fld id="{6113E31D-E2AB-40D1-8B51-AFA5AFEF393A}" type="slidenum">
+              <a:rPr lang="en-US" smtClean="0"/>
+              <a:t>26</a:t>
+            </a:fld>
+            <a:endParaRPr lang="en-US" dirty="0"/>
+          </a:p>
+        </p:txBody>
+      </p:sp>
     </p:spTree>
     <p:extLst>
       <p:ext uri="{BB962C8B-B14F-4D97-AF65-F5344CB8AC3E}">
@@ -7206,10 +9597,20 @@
   <p:clrMapOvr>
     <a:masterClrMapping/>
   </p:clrMapOvr>
+  <p:transition spd="slow">
+    <p:push dir="u"/>
+  </p:transition>
+  <p:timing>
+    <p:tnLst>
+      <p:par>
+        <p:cTn id="1" dur="indefinite" restart="never" nodeType="tmRoot"/>
+      </p:par>
+    </p:tnLst>
+  </p:timing>
 </p:sld>
 </file>
 
-<file path=ppt/slides/slide24.xml><?xml version="1.0" encoding="utf-8"?>
+<file path=ppt/slides/slide27.xml><?xml version="1.0" encoding="utf-8"?>
 <p:sld xmlns:a="http://schemas.openxmlformats.org/drawingml/2006/main" xmlns:r="http://schemas.openxmlformats.org/officeDocument/2006/relationships" xmlns:p="http://schemas.openxmlformats.org/presentationml/2006/main">
   <p:cSld>
     <p:spTree>
@@ -7354,6 +9755,29 @@
           </a:p>
         </p:txBody>
       </p:sp>
+      <p:sp>
+        <p:nvSpPr>
+          <p:cNvPr id="3" name="Номер слайда 2"/>
+          <p:cNvSpPr>
+            <a:spLocks noGrp="1"/>
+          </p:cNvSpPr>
+          <p:nvPr>
+            <p:ph type="sldNum" sz="quarter" idx="12"/>
+          </p:nvPr>
+        </p:nvSpPr>
+        <p:spPr/>
+        <p:txBody>
+          <a:bodyPr/>
+          <a:lstStyle/>
+          <a:p>
+            <a:fld id="{6113E31D-E2AB-40D1-8B51-AFA5AFEF393A}" type="slidenum">
+              <a:rPr lang="en-US" smtClean="0"/>
+              <a:t>27</a:t>
+            </a:fld>
+            <a:endParaRPr lang="en-US" dirty="0"/>
+          </a:p>
+        </p:txBody>
+      </p:sp>
     </p:spTree>
     <p:extLst>
       <p:ext uri="{BB962C8B-B14F-4D97-AF65-F5344CB8AC3E}">
@@ -7364,10 +9788,20 @@
   <p:clrMapOvr>
     <a:masterClrMapping/>
   </p:clrMapOvr>
+  <p:transition spd="slow">
+    <p:push dir="u"/>
+  </p:transition>
+  <p:timing>
+    <p:tnLst>
+      <p:par>
+        <p:cTn id="1" dur="indefinite" restart="never" nodeType="tmRoot"/>
+      </p:par>
+    </p:tnLst>
+  </p:timing>
 </p:sld>
 </file>
 
-<file path=ppt/slides/slide25.xml><?xml version="1.0" encoding="utf-8"?>
+<file path=ppt/slides/slide28.xml><?xml version="1.0" encoding="utf-8"?>
 <p:sld xmlns:a="http://schemas.openxmlformats.org/drawingml/2006/main" xmlns:r="http://schemas.openxmlformats.org/officeDocument/2006/relationships" xmlns:p="http://schemas.openxmlformats.org/presentationml/2006/main">
   <p:cSld>
     <p:spTree>
@@ -7452,6 +9886,29 @@
           </a:extLst>
         </p:spPr>
       </p:pic>
+      <p:sp>
+        <p:nvSpPr>
+          <p:cNvPr id="3" name="Номер слайда 2"/>
+          <p:cNvSpPr>
+            <a:spLocks noGrp="1"/>
+          </p:cNvSpPr>
+          <p:nvPr>
+            <p:ph type="sldNum" sz="quarter" idx="12"/>
+          </p:nvPr>
+        </p:nvSpPr>
+        <p:spPr/>
+        <p:txBody>
+          <a:bodyPr/>
+          <a:lstStyle/>
+          <a:p>
+            <a:fld id="{6113E31D-E2AB-40D1-8B51-AFA5AFEF393A}" type="slidenum">
+              <a:rPr lang="en-US" smtClean="0"/>
+              <a:t>28</a:t>
+            </a:fld>
+            <a:endParaRPr lang="en-US" dirty="0"/>
+          </a:p>
+        </p:txBody>
+      </p:sp>
     </p:spTree>
     <p:extLst>
       <p:ext uri="{BB962C8B-B14F-4D97-AF65-F5344CB8AC3E}">
@@ -7462,10 +9919,20 @@
   <p:clrMapOvr>
     <a:masterClrMapping/>
   </p:clrMapOvr>
+  <p:transition spd="slow">
+    <p:push dir="u"/>
+  </p:transition>
+  <p:timing>
+    <p:tnLst>
+      <p:par>
+        <p:cTn id="1" dur="indefinite" restart="never" nodeType="tmRoot"/>
+      </p:par>
+    </p:tnLst>
+  </p:timing>
 </p:sld>
 </file>
 
-<file path=ppt/slides/slide26.xml><?xml version="1.0" encoding="utf-8"?>
+<file path=ppt/slides/slide29.xml><?xml version="1.0" encoding="utf-8"?>
 <p:sld xmlns:a="http://schemas.openxmlformats.org/drawingml/2006/main" xmlns:r="http://schemas.openxmlformats.org/officeDocument/2006/relationships" xmlns:p="http://schemas.openxmlformats.org/presentationml/2006/main">
   <p:cSld>
     <p:spTree>
@@ -7512,6 +9979,29 @@
           </a:p>
         </p:txBody>
       </p:sp>
+      <p:sp>
+        <p:nvSpPr>
+          <p:cNvPr id="3" name="Номер слайда 2"/>
+          <p:cNvSpPr>
+            <a:spLocks noGrp="1"/>
+          </p:cNvSpPr>
+          <p:nvPr>
+            <p:ph type="sldNum" sz="quarter" idx="12"/>
+          </p:nvPr>
+        </p:nvSpPr>
+        <p:spPr/>
+        <p:txBody>
+          <a:bodyPr/>
+          <a:lstStyle/>
+          <a:p>
+            <a:fld id="{6113E31D-E2AB-40D1-8B51-AFA5AFEF393A}" type="slidenum">
+              <a:rPr lang="en-US" smtClean="0"/>
+              <a:t>29</a:t>
+            </a:fld>
+            <a:endParaRPr lang="en-US" dirty="0"/>
+          </a:p>
+        </p:txBody>
+      </p:sp>
     </p:spTree>
     <p:extLst>
       <p:ext uri="{BB962C8B-B14F-4D97-AF65-F5344CB8AC3E}">
@@ -7522,6 +10012,16 @@
   <p:clrMapOvr>
     <a:masterClrMapping/>
   </p:clrMapOvr>
+  <p:transition spd="slow">
+    <p:push dir="u"/>
+  </p:transition>
+  <p:timing>
+    <p:tnLst>
+      <p:par>
+        <p:cTn id="1" dur="indefinite" restart="never" nodeType="tmRoot"/>
+      </p:par>
+    </p:tnLst>
+  </p:timing>
 </p:sld>
 </file>
 
@@ -7576,7 +10076,7 @@
           </p:nvPr>
         </p:nvPicPr>
         <p:blipFill>
-          <a:blip r:embed="rId2">
+          <a:blip r:embed="rId3">
             <a:extLst>
               <a:ext uri="{28A0092B-C50C-407E-A947-70E740481C1C}">
                 <a14:useLocalDpi xmlns:a14="http://schemas.microsoft.com/office/drawing/2010/main" val="0"/>
@@ -7608,6 +10108,29 @@
           </a:extLst>
         </p:spPr>
       </p:pic>
+      <p:sp>
+        <p:nvSpPr>
+          <p:cNvPr id="3" name="Номер слайда 2"/>
+          <p:cNvSpPr>
+            <a:spLocks noGrp="1"/>
+          </p:cNvSpPr>
+          <p:nvPr>
+            <p:ph type="sldNum" sz="quarter" idx="12"/>
+          </p:nvPr>
+        </p:nvSpPr>
+        <p:spPr/>
+        <p:txBody>
+          <a:bodyPr/>
+          <a:lstStyle/>
+          <a:p>
+            <a:fld id="{6113E31D-E2AB-40D1-8B51-AFA5AFEF393A}" type="slidenum">
+              <a:rPr lang="en-US" smtClean="0"/>
+              <a:t>3</a:t>
+            </a:fld>
+            <a:endParaRPr lang="en-US" dirty="0"/>
+          </a:p>
+        </p:txBody>
+      </p:sp>
     </p:spTree>
     <p:extLst>
       <p:ext uri="{BB962C8B-B14F-4D97-AF65-F5344CB8AC3E}">
@@ -7618,6 +10141,16 @@
   <p:clrMapOvr>
     <a:masterClrMapping/>
   </p:clrMapOvr>
+  <p:transition spd="slow">
+    <p:push dir="u"/>
+  </p:transition>
+  <p:timing>
+    <p:tnLst>
+      <p:par>
+        <p:cTn id="1" dur="indefinite" restart="never" nodeType="tmRoot"/>
+      </p:par>
+    </p:tnLst>
+  </p:timing>
 </p:sld>
 </file>
 
@@ -7745,6 +10278,29 @@
           </a:extLst>
         </p:spPr>
       </p:pic>
+      <p:sp>
+        <p:nvSpPr>
+          <p:cNvPr id="3" name="Номер слайда 2"/>
+          <p:cNvSpPr>
+            <a:spLocks noGrp="1"/>
+          </p:cNvSpPr>
+          <p:nvPr>
+            <p:ph type="sldNum" sz="quarter" idx="12"/>
+          </p:nvPr>
+        </p:nvSpPr>
+        <p:spPr/>
+        <p:txBody>
+          <a:bodyPr/>
+          <a:lstStyle/>
+          <a:p>
+            <a:fld id="{6113E31D-E2AB-40D1-8B51-AFA5AFEF393A}" type="slidenum">
+              <a:rPr lang="en-US" smtClean="0"/>
+              <a:t>4</a:t>
+            </a:fld>
+            <a:endParaRPr lang="en-US" dirty="0"/>
+          </a:p>
+        </p:txBody>
+      </p:sp>
     </p:spTree>
     <p:extLst>
       <p:ext uri="{BB962C8B-B14F-4D97-AF65-F5344CB8AC3E}">
@@ -7755,6 +10311,16 @@
   <p:clrMapOvr>
     <a:masterClrMapping/>
   </p:clrMapOvr>
+  <p:transition spd="slow">
+    <p:push dir="u"/>
+  </p:transition>
+  <p:timing>
+    <p:tnLst>
+      <p:par>
+        <p:cTn id="1" dur="indefinite" restart="never" nodeType="tmRoot"/>
+      </p:par>
+    </p:tnLst>
+  </p:timing>
 </p:sld>
 </file>
 
@@ -7880,6 +10446,29 @@
           </a:extLst>
         </p:spPr>
       </p:pic>
+      <p:sp>
+        <p:nvSpPr>
+          <p:cNvPr id="3" name="Номер слайда 2"/>
+          <p:cNvSpPr>
+            <a:spLocks noGrp="1"/>
+          </p:cNvSpPr>
+          <p:nvPr>
+            <p:ph type="sldNum" sz="quarter" idx="12"/>
+          </p:nvPr>
+        </p:nvSpPr>
+        <p:spPr/>
+        <p:txBody>
+          <a:bodyPr/>
+          <a:lstStyle/>
+          <a:p>
+            <a:fld id="{6113E31D-E2AB-40D1-8B51-AFA5AFEF393A}" type="slidenum">
+              <a:rPr lang="en-US" smtClean="0"/>
+              <a:t>5</a:t>
+            </a:fld>
+            <a:endParaRPr lang="en-US" dirty="0"/>
+          </a:p>
+        </p:txBody>
+      </p:sp>
     </p:spTree>
     <p:extLst>
       <p:ext uri="{BB962C8B-B14F-4D97-AF65-F5344CB8AC3E}">
@@ -7890,6 +10479,16 @@
   <p:clrMapOvr>
     <a:masterClrMapping/>
   </p:clrMapOvr>
+  <p:transition spd="slow">
+    <p:push dir="u"/>
+  </p:transition>
+  <p:timing>
+    <p:tnLst>
+      <p:par>
+        <p:cTn id="1" dur="indefinite" restart="never" nodeType="tmRoot"/>
+      </p:par>
+    </p:tnLst>
+  </p:timing>
 </p:sld>
 </file>
 
@@ -8017,6 +10616,29 @@
           </a:extLst>
         </p:spPr>
       </p:pic>
+      <p:sp>
+        <p:nvSpPr>
+          <p:cNvPr id="3" name="Номер слайда 2"/>
+          <p:cNvSpPr>
+            <a:spLocks noGrp="1"/>
+          </p:cNvSpPr>
+          <p:nvPr>
+            <p:ph type="sldNum" sz="quarter" idx="12"/>
+          </p:nvPr>
+        </p:nvSpPr>
+        <p:spPr/>
+        <p:txBody>
+          <a:bodyPr/>
+          <a:lstStyle/>
+          <a:p>
+            <a:fld id="{6113E31D-E2AB-40D1-8B51-AFA5AFEF393A}" type="slidenum">
+              <a:rPr lang="en-US" smtClean="0"/>
+              <a:t>6</a:t>
+            </a:fld>
+            <a:endParaRPr lang="en-US" dirty="0"/>
+          </a:p>
+        </p:txBody>
+      </p:sp>
     </p:spTree>
     <p:extLst>
       <p:ext uri="{BB962C8B-B14F-4D97-AF65-F5344CB8AC3E}">
@@ -8027,6 +10649,16 @@
   <p:clrMapOvr>
     <a:masterClrMapping/>
   </p:clrMapOvr>
+  <p:transition spd="slow">
+    <p:push dir="u"/>
+  </p:transition>
+  <p:timing>
+    <p:tnLst>
+      <p:par>
+        <p:cTn id="1" dur="indefinite" restart="never" nodeType="tmRoot"/>
+      </p:par>
+    </p:tnLst>
+  </p:timing>
 </p:sld>
 </file>
 
@@ -8113,6 +10745,29 @@
           </a:extLst>
         </p:spPr>
       </p:pic>
+      <p:sp>
+        <p:nvSpPr>
+          <p:cNvPr id="3" name="Номер слайда 2"/>
+          <p:cNvSpPr>
+            <a:spLocks noGrp="1"/>
+          </p:cNvSpPr>
+          <p:nvPr>
+            <p:ph type="sldNum" sz="quarter" idx="12"/>
+          </p:nvPr>
+        </p:nvSpPr>
+        <p:spPr/>
+        <p:txBody>
+          <a:bodyPr/>
+          <a:lstStyle/>
+          <a:p>
+            <a:fld id="{6113E31D-E2AB-40D1-8B51-AFA5AFEF393A}" type="slidenum">
+              <a:rPr lang="en-US" smtClean="0"/>
+              <a:t>7</a:t>
+            </a:fld>
+            <a:endParaRPr lang="en-US" dirty="0"/>
+          </a:p>
+        </p:txBody>
+      </p:sp>
     </p:spTree>
     <p:extLst>
       <p:ext uri="{BB962C8B-B14F-4D97-AF65-F5344CB8AC3E}">
@@ -8123,6 +10778,16 @@
   <p:clrMapOvr>
     <a:masterClrMapping/>
   </p:clrMapOvr>
+  <p:transition spd="slow">
+    <p:push dir="u"/>
+  </p:transition>
+  <p:timing>
+    <p:tnLst>
+      <p:par>
+        <p:cTn id="1" dur="indefinite" restart="never" nodeType="tmRoot"/>
+      </p:par>
+    </p:tnLst>
+  </p:timing>
 </p:sld>
 </file>
 
@@ -8250,6 +10915,29 @@
           </a:extLst>
         </p:spPr>
       </p:pic>
+      <p:sp>
+        <p:nvSpPr>
+          <p:cNvPr id="3" name="Номер слайда 2"/>
+          <p:cNvSpPr>
+            <a:spLocks noGrp="1"/>
+          </p:cNvSpPr>
+          <p:nvPr>
+            <p:ph type="sldNum" sz="quarter" idx="12"/>
+          </p:nvPr>
+        </p:nvSpPr>
+        <p:spPr/>
+        <p:txBody>
+          <a:bodyPr/>
+          <a:lstStyle/>
+          <a:p>
+            <a:fld id="{6113E31D-E2AB-40D1-8B51-AFA5AFEF393A}" type="slidenum">
+              <a:rPr lang="en-US" smtClean="0"/>
+              <a:t>8</a:t>
+            </a:fld>
+            <a:endParaRPr lang="en-US" dirty="0"/>
+          </a:p>
+        </p:txBody>
+      </p:sp>
     </p:spTree>
     <p:extLst>
       <p:ext uri="{BB962C8B-B14F-4D97-AF65-F5344CB8AC3E}">
@@ -8260,6 +10948,16 @@
   <p:clrMapOvr>
     <a:masterClrMapping/>
   </p:clrMapOvr>
+  <p:transition spd="slow">
+    <p:push dir="u"/>
+  </p:transition>
+  <p:timing>
+    <p:tnLst>
+      <p:par>
+        <p:cTn id="1" dur="indefinite" restart="never" nodeType="tmRoot"/>
+      </p:par>
+    </p:tnLst>
+  </p:timing>
 </p:sld>
 </file>
 
@@ -8359,6 +11057,29 @@
           </a:extLst>
         </p:spPr>
       </p:pic>
+      <p:sp>
+        <p:nvSpPr>
+          <p:cNvPr id="3" name="Номер слайда 2"/>
+          <p:cNvSpPr>
+            <a:spLocks noGrp="1"/>
+          </p:cNvSpPr>
+          <p:nvPr>
+            <p:ph type="sldNum" sz="quarter" idx="12"/>
+          </p:nvPr>
+        </p:nvSpPr>
+        <p:spPr/>
+        <p:txBody>
+          <a:bodyPr/>
+          <a:lstStyle/>
+          <a:p>
+            <a:fld id="{6113E31D-E2AB-40D1-8B51-AFA5AFEF393A}" type="slidenum">
+              <a:rPr lang="en-US" smtClean="0"/>
+              <a:t>9</a:t>
+            </a:fld>
+            <a:endParaRPr lang="en-US" dirty="0"/>
+          </a:p>
+        </p:txBody>
+      </p:sp>
     </p:spTree>
     <p:extLst>
       <p:ext uri="{BB962C8B-B14F-4D97-AF65-F5344CB8AC3E}">
@@ -8369,6 +11090,16 @@
   <p:clrMapOvr>
     <a:masterClrMapping/>
   </p:clrMapOvr>
+  <p:transition spd="slow">
+    <p:push dir="u"/>
+  </p:transition>
+  <p:timing>
+    <p:tnLst>
+      <p:par>
+        <p:cTn id="1" dur="indefinite" restart="never" nodeType="tmRoot"/>
+      </p:par>
+    </p:tnLst>
+  </p:timing>
 </p:sld>
 </file>
 
@@ -8653,4 +11384,265 @@
     </a:ext>
   </a:extLst>
 </a:theme>
+</file>
+
+<file path=ppt/theme/theme2.xml><?xml version="1.0" encoding="utf-8"?>
+<a:theme xmlns:a="http://schemas.openxmlformats.org/drawingml/2006/main" name="Тема Office">
+  <a:themeElements>
+    <a:clrScheme name="Office">
+      <a:dk1>
+        <a:sysClr val="windowText" lastClr="000000"/>
+      </a:dk1>
+      <a:lt1>
+        <a:sysClr val="window" lastClr="FFFFFF"/>
+      </a:lt1>
+      <a:dk2>
+        <a:srgbClr val="44546A"/>
+      </a:dk2>
+      <a:lt2>
+        <a:srgbClr val="E7E6E6"/>
+      </a:lt2>
+      <a:accent1>
+        <a:srgbClr val="4472C4"/>
+      </a:accent1>
+      <a:accent2>
+        <a:srgbClr val="ED7D31"/>
+      </a:accent2>
+      <a:accent3>
+        <a:srgbClr val="A5A5A5"/>
+      </a:accent3>
+      <a:accent4>
+        <a:srgbClr val="FFC000"/>
+      </a:accent4>
+      <a:accent5>
+        <a:srgbClr val="5B9BD5"/>
+      </a:accent5>
+      <a:accent6>
+        <a:srgbClr val="70AD47"/>
+      </a:accent6>
+      <a:hlink>
+        <a:srgbClr val="0563C1"/>
+      </a:hlink>
+      <a:folHlink>
+        <a:srgbClr val="954F72"/>
+      </a:folHlink>
+    </a:clrScheme>
+    <a:fontScheme name="Office">
+      <a:majorFont>
+        <a:latin typeface="Calibri Light" panose="020F0302020204030204"/>
+        <a:ea typeface=""/>
+        <a:cs typeface=""/>
+        <a:font script="Jpan" typeface="Yu Gothic Light"/>
+        <a:font script="Hang" typeface="맑은 고딕"/>
+        <a:font script="Hans" typeface="DengXian Light"/>
+        <a:font script="Hant" typeface="新細明體"/>
+        <a:font script="Arab" typeface="Times New Roman"/>
+        <a:font script="Hebr" typeface="Times New Roman"/>
+        <a:font script="Thai" typeface="Angsana New"/>
+        <a:font script="Ethi" typeface="Nyala"/>
+        <a:font script="Beng" typeface="Vrinda"/>
+        <a:font script="Gujr" typeface="Shruti"/>
+        <a:font script="Khmr" typeface="MoolBoran"/>
+        <a:font script="Knda" typeface="Tunga"/>
+        <a:font script="Guru" typeface="Raavi"/>
+        <a:font script="Cans" typeface="Euphemia"/>
+        <a:font script="Cher" typeface="Plantagenet Cherokee"/>
+        <a:font script="Yiii" typeface="Microsoft Yi Baiti"/>
+        <a:font script="Tibt" typeface="Microsoft Himalaya"/>
+        <a:font script="Thaa" typeface="MV Boli"/>
+        <a:font script="Deva" typeface="Mangal"/>
+        <a:font script="Telu" typeface="Gautami"/>
+        <a:font script="Taml" typeface="Latha"/>
+        <a:font script="Syrc" typeface="Estrangelo Edessa"/>
+        <a:font script="Orya" typeface="Kalinga"/>
+        <a:font script="Mlym" typeface="Kartika"/>
+        <a:font script="Laoo" typeface="DokChampa"/>
+        <a:font script="Sinh" typeface="Iskoola Pota"/>
+        <a:font script="Mong" typeface="Mongolian Baiti"/>
+        <a:font script="Viet" typeface="Times New Roman"/>
+        <a:font script="Uigh" typeface="Microsoft Uighur"/>
+        <a:font script="Geor" typeface="Sylfaen"/>
+      </a:majorFont>
+      <a:minorFont>
+        <a:latin typeface="Calibri" panose="020F0502020204030204"/>
+        <a:ea typeface=""/>
+        <a:cs typeface=""/>
+        <a:font script="Jpan" typeface="Yu Gothic"/>
+        <a:font script="Hang" typeface="맑은 고딕"/>
+        <a:font script="Hans" typeface="DengXian"/>
+        <a:font script="Hant" typeface="新細明體"/>
+        <a:font script="Arab" typeface="Arial"/>
+        <a:font script="Hebr" typeface="Arial"/>
+        <a:font script="Thai" typeface="Cordia New"/>
+        <a:font script="Ethi" typeface="Nyala"/>
+        <a:font script="Beng" typeface="Vrinda"/>
+        <a:font script="Gujr" typeface="Shruti"/>
+        <a:font script="Khmr" typeface="DaunPenh"/>
+        <a:font script="Knda" typeface="Tunga"/>
+        <a:font script="Guru" typeface="Raavi"/>
+        <a:font script="Cans" typeface="Euphemia"/>
+        <a:font script="Cher" typeface="Plantagenet Cherokee"/>
+        <a:font script="Yiii" typeface="Microsoft Yi Baiti"/>
+        <a:font script="Tibt" typeface="Microsoft Himalaya"/>
+        <a:font script="Thaa" typeface="MV Boli"/>
+        <a:font script="Deva" typeface="Mangal"/>
+        <a:font script="Telu" typeface="Gautami"/>
+        <a:font script="Taml" typeface="Latha"/>
+        <a:font script="Syrc" typeface="Estrangelo Edessa"/>
+        <a:font script="Orya" typeface="Kalinga"/>
+        <a:font script="Mlym" typeface="Kartika"/>
+        <a:font script="Laoo" typeface="DokChampa"/>
+        <a:font script="Sinh" typeface="Iskoola Pota"/>
+        <a:font script="Mong" typeface="Mongolian Baiti"/>
+        <a:font script="Viet" typeface="Arial"/>
+        <a:font script="Uigh" typeface="Microsoft Uighur"/>
+        <a:font script="Geor" typeface="Sylfaen"/>
+      </a:minorFont>
+    </a:fontScheme>
+    <a:fmtScheme name="Office">
+      <a:fillStyleLst>
+        <a:solidFill>
+          <a:schemeClr val="phClr"/>
+        </a:solidFill>
+        <a:gradFill rotWithShape="1">
+          <a:gsLst>
+            <a:gs pos="0">
+              <a:schemeClr val="phClr">
+                <a:lumMod val="110000"/>
+                <a:satMod val="105000"/>
+                <a:tint val="67000"/>
+              </a:schemeClr>
+            </a:gs>
+            <a:gs pos="50000">
+              <a:schemeClr val="phClr">
+                <a:lumMod val="105000"/>
+                <a:satMod val="103000"/>
+                <a:tint val="73000"/>
+              </a:schemeClr>
+            </a:gs>
+            <a:gs pos="100000">
+              <a:schemeClr val="phClr">
+                <a:lumMod val="105000"/>
+                <a:satMod val="109000"/>
+                <a:tint val="81000"/>
+              </a:schemeClr>
+            </a:gs>
+          </a:gsLst>
+          <a:lin ang="5400000" scaled="0"/>
+        </a:gradFill>
+        <a:gradFill rotWithShape="1">
+          <a:gsLst>
+            <a:gs pos="0">
+              <a:schemeClr val="phClr">
+                <a:satMod val="103000"/>
+                <a:lumMod val="102000"/>
+                <a:tint val="94000"/>
+              </a:schemeClr>
+            </a:gs>
+            <a:gs pos="50000">
+              <a:schemeClr val="phClr">
+                <a:satMod val="110000"/>
+                <a:lumMod val="100000"/>
+                <a:shade val="100000"/>
+              </a:schemeClr>
+            </a:gs>
+            <a:gs pos="100000">
+              <a:schemeClr val="phClr">
+                <a:lumMod val="99000"/>
+                <a:satMod val="120000"/>
+                <a:shade val="78000"/>
+              </a:schemeClr>
+            </a:gs>
+          </a:gsLst>
+          <a:lin ang="5400000" scaled="0"/>
+        </a:gradFill>
+      </a:fillStyleLst>
+      <a:lnStyleLst>
+        <a:ln w="6350" cap="flat" cmpd="sng" algn="ctr">
+          <a:solidFill>
+            <a:schemeClr val="phClr"/>
+          </a:solidFill>
+          <a:prstDash val="solid"/>
+          <a:miter lim="800000"/>
+        </a:ln>
+        <a:ln w="12700" cap="flat" cmpd="sng" algn="ctr">
+          <a:solidFill>
+            <a:schemeClr val="phClr"/>
+          </a:solidFill>
+          <a:prstDash val="solid"/>
+          <a:miter lim="800000"/>
+        </a:ln>
+        <a:ln w="19050" cap="flat" cmpd="sng" algn="ctr">
+          <a:solidFill>
+            <a:schemeClr val="phClr"/>
+          </a:solidFill>
+          <a:prstDash val="solid"/>
+          <a:miter lim="800000"/>
+        </a:ln>
+      </a:lnStyleLst>
+      <a:effectStyleLst>
+        <a:effectStyle>
+          <a:effectLst/>
+        </a:effectStyle>
+        <a:effectStyle>
+          <a:effectLst/>
+        </a:effectStyle>
+        <a:effectStyle>
+          <a:effectLst>
+            <a:outerShdw blurRad="57150" dist="19050" dir="5400000" algn="ctr" rotWithShape="0">
+              <a:srgbClr val="000000">
+                <a:alpha val="63000"/>
+              </a:srgbClr>
+            </a:outerShdw>
+          </a:effectLst>
+        </a:effectStyle>
+      </a:effectStyleLst>
+      <a:bgFillStyleLst>
+        <a:solidFill>
+          <a:schemeClr val="phClr"/>
+        </a:solidFill>
+        <a:solidFill>
+          <a:schemeClr val="phClr">
+            <a:tint val="95000"/>
+            <a:satMod val="170000"/>
+          </a:schemeClr>
+        </a:solidFill>
+        <a:gradFill rotWithShape="1">
+          <a:gsLst>
+            <a:gs pos="0">
+              <a:schemeClr val="phClr">
+                <a:tint val="93000"/>
+                <a:satMod val="150000"/>
+                <a:shade val="98000"/>
+                <a:lumMod val="102000"/>
+              </a:schemeClr>
+            </a:gs>
+            <a:gs pos="50000">
+              <a:schemeClr val="phClr">
+                <a:tint val="98000"/>
+                <a:satMod val="130000"/>
+                <a:shade val="90000"/>
+                <a:lumMod val="103000"/>
+              </a:schemeClr>
+            </a:gs>
+            <a:gs pos="100000">
+              <a:schemeClr val="phClr">
+                <a:shade val="63000"/>
+                <a:satMod val="120000"/>
+              </a:schemeClr>
+            </a:gs>
+          </a:gsLst>
+          <a:lin ang="5400000" scaled="0"/>
+        </a:gradFill>
+      </a:bgFillStyleLst>
+    </a:fmtScheme>
+  </a:themeElements>
+  <a:objectDefaults/>
+  <a:extraClrSchemeLst/>
+  <a:extLst>
+    <a:ext uri="{05A4C25C-085E-4340-85A3-A5531E510DB2}">
+      <thm15:themeFamily xmlns:thm15="http://schemas.microsoft.com/office/thememl/2012/main" name="Office Theme" id="{62F939B6-93AF-4DB8-9C6B-D6C7DFDC589F}" vid="{4A3C46E8-61CC-4603-A589-7422A47A8E4A}"/>
+    </a:ext>
+  </a:extLst>
+</a:theme>
 </file>